--- a/Architektur_GIT.pptx
+++ b/Architektur_GIT.pptx
@@ -1357,7 +1357,7 @@
           <a:p>
             <a:fld id="{F0D12A71-A58E-40BE-A08F-1058245CE28C}" type="datetime1">
               <a:rPr lang="de-DE" altLang="de-DE" sz="800" smtClean="0"/>
-              <a:t>16.12.19</a:t>
+              <a:t>18.12.19</a:t>
             </a:fld>
             <a:r>
               <a:rPr lang="de-DE" altLang="de-DE" sz="800" dirty="0"/>
@@ -3964,31 +3964,41 @@
           </a:p>
         </p:txBody>
       </p:sp>
-      <p:sp>
-        <p:nvSpPr>
-          <p:cNvPr id="3" name="Inhaltsplatzhalter 2">
+      <p:pic>
+        <p:nvPicPr>
+          <p:cNvPr id="14" name="Inhaltsplatzhalter 13" descr="Ein Bild, das Text enthält.&#10;&#10;Automatisch generierte Beschreibung">
             <a:extLst>
               <a:ext uri="{FF2B5EF4-FFF2-40B4-BE49-F238E27FC236}">
-                <a16:creationId xmlns:a16="http://schemas.microsoft.com/office/drawing/2014/main" id="{E8DC4391-02C3-4100-B56D-966624BD717E}"/>
+                <a16:creationId xmlns:a16="http://schemas.microsoft.com/office/drawing/2014/main" id="{8C624C29-CE9F-CF4F-8ACE-E905F660F4EB}"/>
               </a:ext>
             </a:extLst>
           </p:cNvPr>
-          <p:cNvSpPr>
-            <a:spLocks noGrp="1"/>
-          </p:cNvSpPr>
+          <p:cNvPicPr>
+            <a:picLocks noGrp="1" noChangeAspect="1"/>
+          </p:cNvPicPr>
           <p:nvPr>
             <p:ph idx="1"/>
           </p:nvPr>
-        </p:nvSpPr>
-        <p:spPr/>
-        <p:txBody>
-          <a:bodyPr/>
-          <a:lstStyle/>
-          <a:p>
-            <a:endParaRPr lang="de-DE"/>
-          </a:p>
-        </p:txBody>
-      </p:sp>
+        </p:nvPicPr>
+        <p:blipFill>
+          <a:blip r:embed="rId2">
+            <a:extLst>
+              <a:ext uri="{28A0092B-C50C-407E-A947-70E740481C1C}">
+                <a14:useLocalDpi xmlns:a14="http://schemas.microsoft.com/office/drawing/2010/main" val="0"/>
+              </a:ext>
+            </a:extLst>
+          </a:blip>
+          <a:stretch>
+            <a:fillRect/>
+          </a:stretch>
+        </p:blipFill>
+        <p:spPr>
+          <a:xfrm>
+            <a:off x="1835150" y="1555750"/>
+            <a:ext cx="8648700" cy="3746500"/>
+          </a:xfrm>
+        </p:spPr>
+      </p:pic>
       <p:cxnSp>
         <p:nvCxnSpPr>
           <p:cNvPr id="4" name="Gerader Verbinder 3">

--- a/Architektur_GIT.pptx
+++ b/Architektur_GIT.pptx
@@ -1357,7 +1357,7 @@
           <a:p>
             <a:fld id="{F0D12A71-A58E-40BE-A08F-1058245CE28C}" type="datetime1">
               <a:rPr lang="de-DE" altLang="de-DE" sz="800" smtClean="0"/>
-              <a:t>18.12.19</a:t>
+              <a:t>31.12.19</a:t>
             </a:fld>
             <a:r>
               <a:rPr lang="de-DE" altLang="de-DE" sz="800" dirty="0"/>
@@ -5545,7 +5545,97 @@
           <a:bodyPr/>
           <a:lstStyle/>
           <a:p>
-            <a:endParaRPr lang="de-DE"/>
+            <a:pPr marL="285750" indent="-285750">
+              <a:buFont typeface="Arial" panose="020B0604020202020204" pitchFamily="34" charset="0"/>
+              <a:buChar char="•"/>
+            </a:pPr>
+            <a:r>
+              <a:rPr lang="de-DE" sz="1800" dirty="0"/>
+              <a:t>Integration von GIT in Entwicklungsumgebungen (Abwesenheit integrierbarer Bibliothek)</a:t>
+            </a:r>
+          </a:p>
+          <a:p>
+            <a:pPr marL="285750" indent="-285750">
+              <a:buFont typeface="Arial" panose="020B0604020202020204" pitchFamily="34" charset="0"/>
+              <a:buChar char="•"/>
+            </a:pPr>
+            <a:endParaRPr lang="de-DE" sz="1800" dirty="0"/>
+          </a:p>
+          <a:p>
+            <a:pPr marL="285750" indent="-285750">
+              <a:buFont typeface="Arial" panose="020B0604020202020204" pitchFamily="34" charset="0"/>
+              <a:buChar char="•"/>
+            </a:pPr>
+            <a:r>
+              <a:rPr lang="de-DE" sz="1800" dirty="0"/>
+              <a:t>Windows-Integration (Shell-Skripte) </a:t>
+            </a:r>
+            <a:r>
+              <a:rPr lang="de-DE" sz="1800" dirty="0">
+                <a:sym typeface="Wingdings" pitchFamily="2" charset="2"/>
+              </a:rPr>
+              <a:t> anfangs geringe Akzeptanz und verminderte industrielle Anwendung</a:t>
+            </a:r>
+          </a:p>
+          <a:p>
+            <a:pPr marL="285750" indent="-285750">
+              <a:buFont typeface="Arial" panose="020B0604020202020204" pitchFamily="34" charset="0"/>
+              <a:buChar char="•"/>
+            </a:pPr>
+            <a:endParaRPr lang="de-DE" sz="1800" dirty="0">
+              <a:sym typeface="Wingdings" pitchFamily="2" charset="2"/>
+            </a:endParaRPr>
+          </a:p>
+          <a:p>
+            <a:pPr marL="285750" indent="-285750">
+              <a:buFont typeface="Arial" panose="020B0604020202020204" pitchFamily="34" charset="0"/>
+              <a:buChar char="•"/>
+            </a:pPr>
+            <a:r>
+              <a:rPr lang="de-DE" sz="1800" dirty="0"/>
+              <a:t>Toolkit-Design (</a:t>
+            </a:r>
+            <a:r>
+              <a:rPr lang="de-DE" sz="1800" dirty="0" err="1"/>
+              <a:t>plumbing</a:t>
+            </a:r>
+            <a:r>
+              <a:rPr lang="de-DE" sz="1800" dirty="0"/>
+              <a:t> </a:t>
+            </a:r>
+            <a:r>
+              <a:rPr lang="de-DE" sz="1800" dirty="0" err="1"/>
+              <a:t>commands</a:t>
+            </a:r>
+            <a:r>
+              <a:rPr lang="de-DE" sz="1800" dirty="0"/>
+              <a:t>) erschwert Fehlerdiagnose</a:t>
+            </a:r>
+          </a:p>
+          <a:p>
+            <a:pPr marL="285750" indent="-285750">
+              <a:buFont typeface="Arial" panose="020B0604020202020204" pitchFamily="34" charset="0"/>
+              <a:buChar char="•"/>
+            </a:pPr>
+            <a:endParaRPr lang="de-DE" sz="1800" dirty="0"/>
+          </a:p>
+          <a:p>
+            <a:pPr marL="285750" indent="-285750">
+              <a:buFont typeface="Arial" panose="020B0604020202020204" pitchFamily="34" charset="0"/>
+              <a:buChar char="•"/>
+            </a:pPr>
+            <a:r>
+              <a:rPr lang="de-DE" sz="1800" dirty="0"/>
+              <a:t>geringe Performance bei großen </a:t>
+            </a:r>
+            <a:r>
+              <a:rPr lang="de-DE" sz="1800" dirty="0" err="1"/>
+              <a:t>Repositories</a:t>
+            </a:r>
+            <a:r>
+              <a:rPr lang="de-DE" sz="1800" dirty="0"/>
+              <a:t> (jede Datei wird auf Änderung überprüft)</a:t>
+            </a:r>
           </a:p>
         </p:txBody>
       </p:sp>
@@ -8586,14 +8676,14 @@
             <p:ph idx="1"/>
             <p:extLst>
               <p:ext uri="{D42A27DB-BD31-4B8C-83A1-F6EECF244321}">
-                <p14:modId xmlns:p14="http://schemas.microsoft.com/office/powerpoint/2010/main" val="53945093"/>
+                <p14:modId xmlns:p14="http://schemas.microsoft.com/office/powerpoint/2010/main" val="350837957"/>
               </p:ext>
             </p:extLst>
           </p:nvPr>
         </p:nvGraphicFramePr>
         <p:xfrm>
           <a:off x="576263" y="1042988"/>
-          <a:ext cx="11166474" cy="3352800"/>
+          <a:ext cx="11166474" cy="3596640"/>
         </p:xfrm>
         <a:graphic>
           <a:graphicData uri="http://schemas.openxmlformats.org/drawingml/2006/table">
@@ -8815,9 +8905,12 @@
                     <a:lstStyle/>
                     <a:p>
                       <a:r>
-                        <a:rPr lang="de-DE" sz="1600" kern="0" dirty="0"/>
-                        <a:t>Wolf, 2018, Fahrzeuginformatik</a:t>
+                        <a:rPr lang="de-DE" sz="1600" dirty="0">
+                          <a:hlinkClick r:id="rId2"/>
+                        </a:rPr>
+                        <a:t>https://medium.com/@willhayjr/the-architecture-and-history-of-git-a-distributed-version-control-system-62b17dd37742</a:t>
                       </a:r>
+                      <a:endParaRPr lang="de-DE" sz="1600" kern="0" dirty="0"/>
                     </a:p>
                   </a:txBody>
                   <a:tcPr>

--- a/Architektur_GIT.pptx
+++ b/Architektur_GIT.pptx
@@ -5,7 +5,7 @@
     <p:sldMasterId id="2147483675" r:id="rId1"/>
   </p:sldMasterIdLst>
   <p:notesMasterIdLst>
-    <p:notesMasterId r:id="rId19"/>
+    <p:notesMasterId r:id="rId21"/>
   </p:notesMasterIdLst>
   <p:sldIdLst>
     <p:sldId id="256" r:id="rId2"/>
@@ -21,10 +21,12 @@
     <p:sldId id="266" r:id="rId12"/>
     <p:sldId id="267" r:id="rId13"/>
     <p:sldId id="268" r:id="rId14"/>
-    <p:sldId id="272" r:id="rId15"/>
-    <p:sldId id="269" r:id="rId16"/>
-    <p:sldId id="270" r:id="rId17"/>
-    <p:sldId id="271" r:id="rId18"/>
+    <p:sldId id="274" r:id="rId15"/>
+    <p:sldId id="275" r:id="rId16"/>
+    <p:sldId id="276" r:id="rId17"/>
+    <p:sldId id="269" r:id="rId18"/>
+    <p:sldId id="270" r:id="rId19"/>
+    <p:sldId id="271" r:id="rId20"/>
   </p:sldIdLst>
   <p:sldSz cx="12192000" cy="6858000"/>
   <p:notesSz cx="7099300" cy="10234613"/>
@@ -171,7 +173,9 @@
             <p14:sldId id="266"/>
             <p14:sldId id="267"/>
             <p14:sldId id="268"/>
-            <p14:sldId id="272"/>
+            <p14:sldId id="274"/>
+            <p14:sldId id="275"/>
+            <p14:sldId id="276"/>
             <p14:sldId id="269"/>
             <p14:sldId id="270"/>
             <p14:sldId id="271"/>
@@ -787,6 +791,796 @@
     </a:lvl9pPr>
   </p:notesStyle>
 </p:notesMaster>
+</file>
+
+<file path=ppt/notesSlides/notesSlide1.xml><?xml version="1.0" encoding="utf-8"?>
+<p:notes xmlns:a="http://schemas.openxmlformats.org/drawingml/2006/main" xmlns:r="http://schemas.openxmlformats.org/officeDocument/2006/relationships" xmlns:p="http://schemas.openxmlformats.org/presentationml/2006/main">
+  <p:cSld>
+    <p:spTree>
+      <p:nvGrpSpPr>
+        <p:cNvPr id="1" name=""/>
+        <p:cNvGrpSpPr/>
+        <p:nvPr/>
+      </p:nvGrpSpPr>
+      <p:grpSpPr>
+        <a:xfrm>
+          <a:off x="0" y="0"/>
+          <a:ext cx="0" cy="0"/>
+          <a:chOff x="0" y="0"/>
+          <a:chExt cx="0" cy="0"/>
+        </a:xfrm>
+      </p:grpSpPr>
+      <p:sp>
+        <p:nvSpPr>
+          <p:cNvPr id="2" name="Folienbildplatzhalter 1"/>
+          <p:cNvSpPr>
+            <a:spLocks noGrp="1" noRot="1" noChangeAspect="1"/>
+          </p:cNvSpPr>
+          <p:nvPr>
+            <p:ph type="sldImg"/>
+          </p:nvPr>
+        </p:nvSpPr>
+        <p:spPr/>
+      </p:sp>
+      <p:sp>
+        <p:nvSpPr>
+          <p:cNvPr id="3" name="Notizenplatzhalter 2"/>
+          <p:cNvSpPr>
+            <a:spLocks noGrp="1"/>
+          </p:cNvSpPr>
+          <p:nvPr>
+            <p:ph type="body" idx="1"/>
+          </p:nvPr>
+        </p:nvSpPr>
+        <p:spPr/>
+        <p:txBody>
+          <a:bodyPr/>
+          <a:lstStyle/>
+          <a:p>
+            <a:r>
+              <a:rPr lang="de-DE" dirty="0"/>
+              <a:t>Anforderungen 1 und 2 allgemein für VCS</a:t>
+            </a:r>
+          </a:p>
+          <a:p>
+            <a:r>
+              <a:rPr lang="de-DE" dirty="0"/>
+              <a:t>3,4,5 konkrete GIT </a:t>
+            </a:r>
+            <a:r>
+              <a:rPr lang="de-DE" dirty="0" err="1"/>
+              <a:t>designanforderungen</a:t>
+            </a:r>
+            <a:r>
+              <a:rPr lang="de-DE" dirty="0"/>
+              <a:t> von </a:t>
+            </a:r>
+            <a:r>
+              <a:rPr lang="de-DE" dirty="0" err="1"/>
+              <a:t>Torvalds</a:t>
+            </a:r>
+            <a:endParaRPr lang="de-DE" dirty="0"/>
+          </a:p>
+          <a:p>
+            <a:endParaRPr lang="de-DE" dirty="0"/>
+          </a:p>
+          <a:p>
+            <a:r>
+              <a:rPr lang="de-DE" dirty="0"/>
+              <a:t>quelle Susan Potter (aus Buch </a:t>
+            </a:r>
+            <a:r>
+              <a:rPr lang="de-DE" dirty="0" err="1"/>
+              <a:t>architecture</a:t>
+            </a:r>
+            <a:r>
+              <a:rPr lang="de-DE" dirty="0"/>
+              <a:t> open </a:t>
+            </a:r>
+            <a:r>
+              <a:rPr lang="de-DE" dirty="0" err="1"/>
+              <a:t>source</a:t>
+            </a:r>
+            <a:r>
+              <a:rPr lang="de-DE" dirty="0"/>
+              <a:t> </a:t>
+            </a:r>
+            <a:r>
+              <a:rPr lang="de-DE" dirty="0" err="1"/>
+              <a:t>stuff</a:t>
+            </a:r>
+            <a:r>
+              <a:rPr lang="de-DE" dirty="0"/>
+              <a:t>)</a:t>
+            </a:r>
+          </a:p>
+        </p:txBody>
+      </p:sp>
+      <p:sp>
+        <p:nvSpPr>
+          <p:cNvPr id="4" name="Foliennummernplatzhalter 3"/>
+          <p:cNvSpPr>
+            <a:spLocks noGrp="1"/>
+          </p:cNvSpPr>
+          <p:nvPr>
+            <p:ph type="sldNum" sz="quarter" idx="5"/>
+          </p:nvPr>
+        </p:nvSpPr>
+        <p:spPr/>
+        <p:txBody>
+          <a:bodyPr/>
+          <a:lstStyle/>
+          <a:p>
+            <a:fld id="{92C84FA6-9D13-4F89-9D5F-507040849F9F}" type="slidenum">
+              <a:rPr lang="de-DE" altLang="de-DE" smtClean="0"/>
+              <a:pPr/>
+              <a:t>14</a:t>
+            </a:fld>
+            <a:endParaRPr lang="de-DE" altLang="de-DE"/>
+          </a:p>
+        </p:txBody>
+      </p:sp>
+    </p:spTree>
+    <p:extLst>
+      <p:ext uri="{BB962C8B-B14F-4D97-AF65-F5344CB8AC3E}">
+        <p14:creationId xmlns:p14="http://schemas.microsoft.com/office/powerpoint/2010/main" val="2926927885"/>
+      </p:ext>
+    </p:extLst>
+  </p:cSld>
+  <p:clrMapOvr>
+    <a:masterClrMapping/>
+  </p:clrMapOvr>
+</p:notes>
+</file>
+
+<file path=ppt/notesSlides/notesSlide2.xml><?xml version="1.0" encoding="utf-8"?>
+<p:notes xmlns:a="http://schemas.openxmlformats.org/drawingml/2006/main" xmlns:r="http://schemas.openxmlformats.org/officeDocument/2006/relationships" xmlns:p="http://schemas.openxmlformats.org/presentationml/2006/main">
+  <p:cSld>
+    <p:spTree>
+      <p:nvGrpSpPr>
+        <p:cNvPr id="1" name=""/>
+        <p:cNvGrpSpPr/>
+        <p:nvPr/>
+      </p:nvGrpSpPr>
+      <p:grpSpPr>
+        <a:xfrm>
+          <a:off x="0" y="0"/>
+          <a:ext cx="0" cy="0"/>
+          <a:chOff x="0" y="0"/>
+          <a:chExt cx="0" cy="0"/>
+        </a:xfrm>
+      </p:grpSpPr>
+      <p:sp>
+        <p:nvSpPr>
+          <p:cNvPr id="2" name="Folienbildplatzhalter 1"/>
+          <p:cNvSpPr>
+            <a:spLocks noGrp="1" noRot="1" noChangeAspect="1"/>
+          </p:cNvSpPr>
+          <p:nvPr>
+            <p:ph type="sldImg"/>
+          </p:nvPr>
+        </p:nvSpPr>
+        <p:spPr/>
+      </p:sp>
+      <p:sp>
+        <p:nvSpPr>
+          <p:cNvPr id="3" name="Notizenplatzhalter 2"/>
+          <p:cNvSpPr>
+            <a:spLocks noGrp="1"/>
+          </p:cNvSpPr>
+          <p:nvPr>
+            <p:ph type="body" idx="1"/>
+          </p:nvPr>
+        </p:nvSpPr>
+        <p:spPr/>
+        <p:txBody>
+          <a:bodyPr/>
+          <a:lstStyle/>
+          <a:p>
+            <a:pPr marL="285750" indent="-285750">
+              <a:buFont typeface="Arial" panose="020B0604020202020204" pitchFamily="34" charset="0"/>
+              <a:buChar char="•"/>
+            </a:pPr>
+            <a:r>
+              <a:rPr lang="de-DE" sz="1200" dirty="0"/>
+              <a:t>Gerichtete azyklische Graphen als Repräsentation der Datenstruktur (+1, Strukturierter Ansatz zur Datenspeicherung), (+2, keine </a:t>
+            </a:r>
+            <a:r>
+              <a:rPr lang="de-DE" sz="1200" dirty="0" err="1"/>
+              <a:t>änderung</a:t>
+            </a:r>
+            <a:r>
+              <a:rPr lang="de-DE" sz="1200" dirty="0"/>
+              <a:t> in </a:t>
+            </a:r>
+            <a:r>
+              <a:rPr lang="de-DE" sz="1200" dirty="0" err="1"/>
+              <a:t>dateien</a:t>
+            </a:r>
+            <a:r>
+              <a:rPr lang="de-DE" sz="1200" dirty="0"/>
+              <a:t> bedeutet keine </a:t>
+            </a:r>
+            <a:r>
+              <a:rPr lang="de-DE" sz="1200" dirty="0" err="1"/>
+              <a:t>änderung</a:t>
+            </a:r>
+            <a:r>
+              <a:rPr lang="de-DE" sz="1200" dirty="0"/>
+              <a:t> im </a:t>
+            </a:r>
+            <a:r>
+              <a:rPr lang="de-DE" sz="1200" dirty="0" err="1"/>
+              <a:t>graph</a:t>
+            </a:r>
+            <a:r>
+              <a:rPr lang="de-DE" sz="1200" dirty="0"/>
+              <a:t>), (+3, unterschiedliche </a:t>
+            </a:r>
+            <a:r>
+              <a:rPr lang="de-DE" sz="1200" dirty="0" err="1"/>
+              <a:t>graphen</a:t>
+            </a:r>
+            <a:r>
+              <a:rPr lang="de-DE" sz="1200" dirty="0"/>
+              <a:t> können </a:t>
+            </a:r>
+            <a:r>
+              <a:rPr lang="de-DE" sz="1200" dirty="0" err="1"/>
+              <a:t>gemerged</a:t>
+            </a:r>
+            <a:r>
+              <a:rPr lang="de-DE" sz="1200" dirty="0"/>
+              <a:t> werden und gleiche teile beibehalten werden, ermöglicht </a:t>
+            </a:r>
+            <a:r>
+              <a:rPr lang="de-DE" sz="1200" dirty="0" err="1"/>
+              <a:t>branching</a:t>
+            </a:r>
+            <a:r>
+              <a:rPr lang="de-DE" sz="1200" dirty="0"/>
+              <a:t>), (-5, </a:t>
+            </a:r>
+            <a:r>
+              <a:rPr lang="de-DE" sz="1200" dirty="0" err="1"/>
+              <a:t>repository</a:t>
+            </a:r>
+            <a:r>
+              <a:rPr lang="de-DE" sz="1200" dirty="0"/>
+              <a:t> speichert nicht nur </a:t>
+            </a:r>
+            <a:r>
+              <a:rPr lang="de-DE" sz="1200" dirty="0" err="1"/>
+              <a:t>diffs</a:t>
+            </a:r>
+            <a:r>
+              <a:rPr lang="de-DE" sz="1200" dirty="0"/>
+              <a:t> der </a:t>
+            </a:r>
+            <a:r>
+              <a:rPr lang="de-DE" sz="1200" dirty="0" err="1"/>
+              <a:t>dateien</a:t>
+            </a:r>
+            <a:r>
+              <a:rPr lang="de-DE" sz="1200" dirty="0"/>
+              <a:t> sondern immer den gesamten </a:t>
+            </a:r>
+            <a:r>
+              <a:rPr lang="de-DE" sz="1200" dirty="0" err="1"/>
+              <a:t>graph</a:t>
+            </a:r>
+            <a:r>
+              <a:rPr lang="de-DE" sz="1200" dirty="0"/>
+              <a:t> und </a:t>
+            </a:r>
+            <a:r>
+              <a:rPr lang="de-DE" sz="1200" dirty="0" err="1"/>
+              <a:t>dateiinhalte</a:t>
+            </a:r>
+            <a:r>
+              <a:rPr lang="de-DE" sz="1200" dirty="0"/>
+              <a:t>)</a:t>
+            </a:r>
+          </a:p>
+          <a:p>
+            <a:pPr marL="285750" indent="-285750">
+              <a:buFont typeface="Arial" panose="020B0604020202020204" pitchFamily="34" charset="0"/>
+              <a:buChar char="•"/>
+            </a:pPr>
+            <a:endParaRPr lang="de-DE" sz="1200" dirty="0"/>
+          </a:p>
+          <a:p>
+            <a:pPr marL="285750" indent="-285750">
+              <a:buFont typeface="Arial" panose="020B0604020202020204" pitchFamily="34" charset="0"/>
+              <a:buChar char="•"/>
+            </a:pPr>
+            <a:r>
+              <a:rPr lang="de-DE" sz="1200" dirty="0"/>
+              <a:t>SHAs als Identifier für GIT Objekte (+2, gleicher SHA heißt keine Änderung), (+3, </a:t>
+            </a:r>
+            <a:r>
+              <a:rPr lang="de-DE" sz="1200" dirty="0" err="1"/>
+              <a:t>unique</a:t>
+            </a:r>
+            <a:r>
+              <a:rPr lang="de-DE" sz="1200" dirty="0"/>
+              <a:t> </a:t>
+            </a:r>
+            <a:r>
+              <a:rPr lang="de-DE" sz="1200" dirty="0" err="1"/>
+              <a:t>identifier</a:t>
+            </a:r>
+            <a:r>
+              <a:rPr lang="de-DE" sz="1200" dirty="0"/>
+              <a:t> benötigt um unterschiedliche </a:t>
+            </a:r>
+            <a:r>
+              <a:rPr lang="de-DE" sz="1200" dirty="0" err="1"/>
+              <a:t>bearbeiter</a:t>
+            </a:r>
+            <a:r>
+              <a:rPr lang="de-DE" sz="1200" dirty="0"/>
+              <a:t> festzustellen), (+4, bei kopieren oder anderer </a:t>
+            </a:r>
+            <a:r>
+              <a:rPr lang="de-DE" sz="1200" dirty="0" err="1"/>
+              <a:t>datenkorrumpierung</a:t>
+            </a:r>
+            <a:r>
+              <a:rPr lang="de-DE" sz="1200" dirty="0"/>
+              <a:t> ändert sich der SHA), (+5, vereinfacht </a:t>
+            </a:r>
+            <a:r>
+              <a:rPr lang="de-DE" sz="1200" dirty="0" err="1"/>
+              <a:t>festellen</a:t>
+            </a:r>
+            <a:r>
+              <a:rPr lang="de-DE" sz="1200" dirty="0"/>
+              <a:t> von </a:t>
+            </a:r>
+            <a:r>
+              <a:rPr lang="de-DE" sz="1200" dirty="0" err="1"/>
+              <a:t>diff</a:t>
+            </a:r>
+            <a:r>
+              <a:rPr lang="de-DE" sz="1200" dirty="0"/>
+              <a:t> zwischen zwei </a:t>
+            </a:r>
+            <a:r>
+              <a:rPr lang="de-DE" sz="1200" dirty="0" err="1"/>
+              <a:t>dateien</a:t>
+            </a:r>
+            <a:r>
+              <a:rPr lang="de-DE" sz="1200" dirty="0"/>
+              <a:t>)</a:t>
+            </a:r>
+          </a:p>
+          <a:p>
+            <a:pPr marL="285750" indent="-285750">
+              <a:buFont typeface="Arial" panose="020B0604020202020204" pitchFamily="34" charset="0"/>
+              <a:buChar char="•"/>
+            </a:pPr>
+            <a:endParaRPr lang="de-DE" sz="1200" dirty="0"/>
+          </a:p>
+          <a:p>
+            <a:pPr marL="285750" indent="-285750">
+              <a:buFont typeface="Arial" panose="020B0604020202020204" pitchFamily="34" charset="0"/>
+              <a:buChar char="•"/>
+            </a:pPr>
+            <a:r>
+              <a:rPr lang="de-DE" sz="1200" dirty="0"/>
+              <a:t>Trennung von lokalem und remote Repository (+1, </a:t>
+            </a:r>
+            <a:r>
+              <a:rPr lang="de-DE" sz="1200" dirty="0" err="1"/>
+              <a:t>versionierung</a:t>
+            </a:r>
+            <a:r>
+              <a:rPr lang="de-DE" sz="1200" dirty="0"/>
+              <a:t> gleichzeitig mit (</a:t>
+            </a:r>
+            <a:r>
+              <a:rPr lang="de-DE" sz="1200" dirty="0" err="1"/>
+              <a:t>server</a:t>
+            </a:r>
+            <a:r>
+              <a:rPr lang="de-DE" sz="1200" dirty="0"/>
+              <a:t>)-backup), (+3, offline arbeiten möglich), (+5, wegen offline-fähigkeit)</a:t>
+            </a:r>
+          </a:p>
+          <a:p>
+            <a:pPr marL="285750" indent="-285750">
+              <a:buFont typeface="Arial" panose="020B0604020202020204" pitchFamily="34" charset="0"/>
+              <a:buChar char="•"/>
+            </a:pPr>
+            <a:endParaRPr lang="de-DE" sz="1200" dirty="0"/>
+          </a:p>
+          <a:p>
+            <a:pPr marL="285750" indent="-285750">
+              <a:buFont typeface="Arial" panose="020B0604020202020204" pitchFamily="34" charset="0"/>
+              <a:buChar char="•"/>
+            </a:pPr>
+            <a:r>
+              <a:rPr lang="de-DE" sz="1200" dirty="0"/>
+              <a:t>Definition vier primitiver GIT-Datentypen (+1, </a:t>
+            </a:r>
+            <a:r>
+              <a:rPr lang="de-DE" sz="1200" dirty="0" err="1"/>
+              <a:t>möglicht</a:t>
+            </a:r>
+            <a:r>
+              <a:rPr lang="de-DE" sz="1200" dirty="0"/>
+              <a:t> wenig komplexe und </a:t>
+            </a:r>
+            <a:r>
+              <a:rPr lang="de-DE" sz="1200" dirty="0" err="1"/>
+              <a:t>gleichzeit</a:t>
+            </a:r>
+            <a:r>
+              <a:rPr lang="de-DE" sz="1200" dirty="0"/>
+              <a:t> strukturgebende </a:t>
+            </a:r>
+            <a:r>
+              <a:rPr lang="de-DE" sz="1200" dirty="0" err="1"/>
+              <a:t>maßnahme</a:t>
+            </a:r>
+            <a:r>
+              <a:rPr lang="de-DE" sz="1200" dirty="0"/>
+              <a:t> durch </a:t>
+            </a:r>
+            <a:r>
+              <a:rPr lang="de-DE" sz="1200" dirty="0" err="1"/>
+              <a:t>einführung</a:t>
+            </a:r>
+            <a:r>
+              <a:rPr lang="de-DE" sz="1200" dirty="0"/>
+              <a:t> weniger </a:t>
+            </a:r>
+            <a:r>
+              <a:rPr lang="de-DE" sz="1200" dirty="0" err="1"/>
+              <a:t>datentypen</a:t>
+            </a:r>
+            <a:r>
+              <a:rPr lang="de-DE" sz="1200" dirty="0"/>
+              <a:t>)</a:t>
+            </a:r>
+          </a:p>
+        </p:txBody>
+      </p:sp>
+      <p:sp>
+        <p:nvSpPr>
+          <p:cNvPr id="4" name="Foliennummernplatzhalter 3"/>
+          <p:cNvSpPr>
+            <a:spLocks noGrp="1"/>
+          </p:cNvSpPr>
+          <p:nvPr>
+            <p:ph type="sldNum" sz="quarter" idx="5"/>
+          </p:nvPr>
+        </p:nvSpPr>
+        <p:spPr/>
+        <p:txBody>
+          <a:bodyPr/>
+          <a:lstStyle/>
+          <a:p>
+            <a:fld id="{92C84FA6-9D13-4F89-9D5F-507040849F9F}" type="slidenum">
+              <a:rPr lang="de-DE" altLang="de-DE" smtClean="0"/>
+              <a:pPr/>
+              <a:t>15</a:t>
+            </a:fld>
+            <a:endParaRPr lang="de-DE" altLang="de-DE"/>
+          </a:p>
+        </p:txBody>
+      </p:sp>
+    </p:spTree>
+    <p:extLst>
+      <p:ext uri="{BB962C8B-B14F-4D97-AF65-F5344CB8AC3E}">
+        <p14:creationId xmlns:p14="http://schemas.microsoft.com/office/powerpoint/2010/main" val="2274415387"/>
+      </p:ext>
+    </p:extLst>
+  </p:cSld>
+  <p:clrMapOvr>
+    <a:masterClrMapping/>
+  </p:clrMapOvr>
+</p:notes>
+</file>
+
+<file path=ppt/notesSlides/notesSlide3.xml><?xml version="1.0" encoding="utf-8"?>
+<p:notes xmlns:a="http://schemas.openxmlformats.org/drawingml/2006/main" xmlns:r="http://schemas.openxmlformats.org/officeDocument/2006/relationships" xmlns:p="http://schemas.openxmlformats.org/presentationml/2006/main">
+  <p:cSld>
+    <p:spTree>
+      <p:nvGrpSpPr>
+        <p:cNvPr id="1" name=""/>
+        <p:cNvGrpSpPr/>
+        <p:nvPr/>
+      </p:nvGrpSpPr>
+      <p:grpSpPr>
+        <a:xfrm>
+          <a:off x="0" y="0"/>
+          <a:ext cx="0" cy="0"/>
+          <a:chOff x="0" y="0"/>
+          <a:chExt cx="0" cy="0"/>
+        </a:xfrm>
+      </p:grpSpPr>
+      <p:sp>
+        <p:nvSpPr>
+          <p:cNvPr id="2" name="Folienbildplatzhalter 1"/>
+          <p:cNvSpPr>
+            <a:spLocks noGrp="1" noRot="1" noChangeAspect="1"/>
+          </p:cNvSpPr>
+          <p:nvPr>
+            <p:ph type="sldImg"/>
+          </p:nvPr>
+        </p:nvSpPr>
+        <p:spPr/>
+      </p:sp>
+      <p:sp>
+        <p:nvSpPr>
+          <p:cNvPr id="3" name="Notizenplatzhalter 2"/>
+          <p:cNvSpPr>
+            <a:spLocks noGrp="1"/>
+          </p:cNvSpPr>
+          <p:nvPr>
+            <p:ph type="body" idx="1"/>
+          </p:nvPr>
+        </p:nvSpPr>
+        <p:spPr/>
+        <p:txBody>
+          <a:bodyPr/>
+          <a:lstStyle/>
+          <a:p>
+            <a:pPr marL="285750" indent="-285750">
+              <a:buFont typeface="Arial" panose="020B0604020202020204" pitchFamily="34" charset="0"/>
+              <a:buChar char="•"/>
+            </a:pPr>
+            <a:r>
+              <a:rPr lang="de-DE" sz="1200" dirty="0"/>
+              <a:t>Shell-Skripte als Basis </a:t>
+            </a:r>
+            <a:r>
+              <a:rPr lang="de-DE" sz="1200" dirty="0">
+                <a:sym typeface="Wingdings" pitchFamily="2" charset="2"/>
+              </a:rPr>
+              <a:t>(-5, im wesentlichen </a:t>
+            </a:r>
+            <a:r>
+              <a:rPr lang="de-DE" sz="1200" dirty="0" err="1">
+                <a:sym typeface="Wingdings" pitchFamily="2" charset="2"/>
+              </a:rPr>
+              <a:t>nachteil</a:t>
+            </a:r>
+            <a:r>
+              <a:rPr lang="de-DE" sz="1200" dirty="0">
+                <a:sym typeface="Wingdings" pitchFamily="2" charset="2"/>
+              </a:rPr>
+              <a:t> für </a:t>
+            </a:r>
+            <a:r>
+              <a:rPr lang="de-DE" sz="1200" dirty="0" err="1">
+                <a:sym typeface="Wingdings" pitchFamily="2" charset="2"/>
+              </a:rPr>
+              <a:t>windows</a:t>
+            </a:r>
+            <a:r>
+              <a:rPr lang="de-DE" sz="1200" dirty="0">
+                <a:sym typeface="Wingdings" pitchFamily="2" charset="2"/>
+              </a:rPr>
+              <a:t> </a:t>
+            </a:r>
+            <a:r>
+              <a:rPr lang="de-DE" sz="1200" dirty="0" err="1">
+                <a:sym typeface="Wingdings" pitchFamily="2" charset="2"/>
+              </a:rPr>
+              <a:t>user</a:t>
+            </a:r>
+            <a:r>
+              <a:rPr lang="de-DE" sz="1200" dirty="0">
+                <a:sym typeface="Wingdings" pitchFamily="2" charset="2"/>
+              </a:rPr>
+              <a:t>, außerdem problematisch bei </a:t>
+            </a:r>
+            <a:r>
+              <a:rPr lang="de-DE" sz="1200" dirty="0" err="1">
+                <a:sym typeface="Wingdings" pitchFamily="2" charset="2"/>
+              </a:rPr>
+              <a:t>integration</a:t>
+            </a:r>
+            <a:r>
+              <a:rPr lang="de-DE" sz="1200" dirty="0">
+                <a:sym typeface="Wingdings" pitchFamily="2" charset="2"/>
+              </a:rPr>
+              <a:t> wegen nicht-persistenter </a:t>
+            </a:r>
+            <a:r>
+              <a:rPr lang="de-DE" sz="1200" dirty="0" err="1">
+                <a:sym typeface="Wingdings" pitchFamily="2" charset="2"/>
+              </a:rPr>
+              <a:t>sessions</a:t>
+            </a:r>
+            <a:r>
+              <a:rPr lang="de-DE" sz="1200" dirty="0">
+                <a:sym typeface="Wingdings" pitchFamily="2" charset="2"/>
+              </a:rPr>
+              <a:t>)</a:t>
+            </a:r>
+            <a:endParaRPr lang="de-DE" sz="1200" dirty="0"/>
+          </a:p>
+          <a:p>
+            <a:pPr marL="285750" indent="-285750">
+              <a:buFont typeface="Arial" panose="020B0604020202020204" pitchFamily="34" charset="0"/>
+              <a:buChar char="•"/>
+            </a:pPr>
+            <a:endParaRPr lang="de-DE" sz="1200" dirty="0"/>
+          </a:p>
+          <a:p>
+            <a:pPr marL="285750" indent="-285750">
+              <a:buFont typeface="Arial" panose="020B0604020202020204" pitchFamily="34" charset="0"/>
+              <a:buChar char="•"/>
+            </a:pPr>
+            <a:r>
+              <a:rPr lang="de-DE" sz="1200" dirty="0"/>
+              <a:t>Toolkit Design </a:t>
+            </a:r>
+            <a:r>
+              <a:rPr lang="de-DE" sz="1200" dirty="0">
+                <a:sym typeface="Wingdings" pitchFamily="2" charset="2"/>
+              </a:rPr>
+              <a:t>(+3, </a:t>
+            </a:r>
+            <a:r>
+              <a:rPr lang="de-DE" sz="1200" dirty="0" err="1">
+                <a:sym typeface="Wingdings" pitchFamily="2" charset="2"/>
+              </a:rPr>
+              <a:t>idee</a:t>
+            </a:r>
+            <a:r>
+              <a:rPr lang="de-DE" sz="1200" dirty="0">
+                <a:sym typeface="Wingdings" pitchFamily="2" charset="2"/>
+              </a:rPr>
+              <a:t> von </a:t>
+            </a:r>
+            <a:r>
+              <a:rPr lang="de-DE" sz="1200" dirty="0" err="1">
+                <a:sym typeface="Wingdings" pitchFamily="2" charset="2"/>
+              </a:rPr>
+              <a:t>plumbing</a:t>
+            </a:r>
+            <a:r>
+              <a:rPr lang="de-DE" sz="1200" dirty="0">
+                <a:sym typeface="Wingdings" pitchFamily="2" charset="2"/>
+              </a:rPr>
+              <a:t> und </a:t>
+            </a:r>
+            <a:r>
+              <a:rPr lang="de-DE" sz="1200" dirty="0" err="1">
+                <a:sym typeface="Wingdings" pitchFamily="2" charset="2"/>
+              </a:rPr>
+              <a:t>porcellain</a:t>
+            </a:r>
+            <a:r>
+              <a:rPr lang="de-DE" sz="1200" dirty="0">
+                <a:sym typeface="Wingdings" pitchFamily="2" charset="2"/>
+              </a:rPr>
+              <a:t> könnte die </a:t>
+            </a:r>
+            <a:r>
+              <a:rPr lang="de-DE" sz="1200" dirty="0" err="1">
+                <a:sym typeface="Wingdings" pitchFamily="2" charset="2"/>
+              </a:rPr>
+              <a:t>arbeit</a:t>
+            </a:r>
+            <a:r>
+              <a:rPr lang="de-DE" sz="1200" dirty="0">
+                <a:sym typeface="Wingdings" pitchFamily="2" charset="2"/>
+              </a:rPr>
+              <a:t> am </a:t>
+            </a:r>
+            <a:r>
+              <a:rPr lang="de-DE" sz="1200" dirty="0" err="1">
+                <a:sym typeface="Wingdings" pitchFamily="2" charset="2"/>
+              </a:rPr>
+              <a:t>git</a:t>
+            </a:r>
+            <a:r>
+              <a:rPr lang="de-DE" sz="1200" dirty="0">
+                <a:sym typeface="Wingdings" pitchFamily="2" charset="2"/>
+              </a:rPr>
+              <a:t> </a:t>
+            </a:r>
+            <a:r>
+              <a:rPr lang="de-DE" sz="1200" dirty="0" err="1">
+                <a:sym typeface="Wingdings" pitchFamily="2" charset="2"/>
+              </a:rPr>
+              <a:t>core</a:t>
+            </a:r>
+            <a:r>
+              <a:rPr lang="de-DE" sz="1200" dirty="0">
+                <a:sym typeface="Wingdings" pitchFamily="2" charset="2"/>
+              </a:rPr>
+              <a:t> </a:t>
+            </a:r>
+            <a:r>
+              <a:rPr lang="de-DE" sz="1200" dirty="0" err="1">
+                <a:sym typeface="Wingdings" pitchFamily="2" charset="2"/>
+              </a:rPr>
+              <a:t>projekt</a:t>
+            </a:r>
+            <a:r>
+              <a:rPr lang="de-DE" sz="1200" dirty="0">
+                <a:sym typeface="Wingdings" pitchFamily="2" charset="2"/>
+              </a:rPr>
+              <a:t> selbst vereinfachen...)</a:t>
+            </a:r>
+            <a:endParaRPr lang="de-DE" sz="1200" dirty="0"/>
+          </a:p>
+          <a:p>
+            <a:pPr marL="285750" indent="-285750">
+              <a:buFont typeface="Arial" panose="020B0604020202020204" pitchFamily="34" charset="0"/>
+              <a:buChar char="•"/>
+            </a:pPr>
+            <a:endParaRPr lang="de-DE" sz="1200" dirty="0"/>
+          </a:p>
+          <a:p>
+            <a:pPr marL="285750" indent="-285750">
+              <a:buFont typeface="Arial" panose="020B0604020202020204" pitchFamily="34" charset="0"/>
+              <a:buChar char="•"/>
+            </a:pPr>
+            <a:r>
+              <a:rPr lang="de-DE" sz="1200" dirty="0"/>
+              <a:t>keine </a:t>
+            </a:r>
+            <a:r>
+              <a:rPr lang="de-DE" sz="1200" dirty="0" err="1"/>
+              <a:t>Bibliothekenunterstützung</a:t>
+            </a:r>
+            <a:r>
+              <a:rPr lang="de-DE" sz="1200" dirty="0"/>
+              <a:t> </a:t>
+            </a:r>
+            <a:r>
+              <a:rPr lang="de-DE" sz="1200" dirty="0">
+                <a:sym typeface="Wingdings" pitchFamily="2" charset="2"/>
+              </a:rPr>
+              <a:t>(-3, ...tut sie aber nicht)</a:t>
+            </a:r>
+            <a:endParaRPr lang="de-DE" sz="1200" dirty="0"/>
+          </a:p>
+        </p:txBody>
+      </p:sp>
+      <p:sp>
+        <p:nvSpPr>
+          <p:cNvPr id="4" name="Foliennummernplatzhalter 3"/>
+          <p:cNvSpPr>
+            <a:spLocks noGrp="1"/>
+          </p:cNvSpPr>
+          <p:nvPr>
+            <p:ph type="sldNum" sz="quarter" idx="5"/>
+          </p:nvPr>
+        </p:nvSpPr>
+        <p:spPr/>
+        <p:txBody>
+          <a:bodyPr/>
+          <a:lstStyle/>
+          <a:p>
+            <a:fld id="{92C84FA6-9D13-4F89-9D5F-507040849F9F}" type="slidenum">
+              <a:rPr lang="de-DE" altLang="de-DE" smtClean="0"/>
+              <a:pPr/>
+              <a:t>16</a:t>
+            </a:fld>
+            <a:endParaRPr lang="de-DE" altLang="de-DE"/>
+          </a:p>
+        </p:txBody>
+      </p:sp>
+    </p:spTree>
+    <p:extLst>
+      <p:ext uri="{BB962C8B-B14F-4D97-AF65-F5344CB8AC3E}">
+        <p14:creationId xmlns:p14="http://schemas.microsoft.com/office/powerpoint/2010/main" val="38442565"/>
+      </p:ext>
+    </p:extLst>
+  </p:cSld>
+  <p:clrMapOvr>
+    <a:masterClrMapping/>
+  </p:clrMapOvr>
+</p:notes>
 </file>
 
 <file path=ppt/slideLayouts/slideLayout1.xml><?xml version="1.0" encoding="utf-8"?>
@@ -1357,7 +2151,7 @@
           <a:p>
             <a:fld id="{F0D12A71-A58E-40BE-A08F-1058245CE28C}" type="datetime1">
               <a:rPr lang="de-DE" altLang="de-DE" sz="800" smtClean="0"/>
-              <a:t>31.12.19</a:t>
+              <a:t>15.01.20</a:t>
             </a:fld>
             <a:r>
               <a:rPr lang="de-DE" altLang="de-DE" sz="800" dirty="0"/>
@@ -5540,102 +6334,115 @@
             <p:ph idx="1"/>
           </p:nvPr>
         </p:nvSpPr>
-        <p:spPr/>
+        <p:spPr>
+          <a:xfrm>
+            <a:off x="711846" y="1198168"/>
+            <a:ext cx="11167533" cy="4772025"/>
+          </a:xfrm>
+        </p:spPr>
         <p:txBody>
           <a:bodyPr/>
           <a:lstStyle/>
           <a:p>
-            <a:pPr marL="285750" indent="-285750">
-              <a:buFont typeface="Arial" panose="020B0604020202020204" pitchFamily="34" charset="0"/>
-              <a:buChar char="•"/>
+            <a:r>
+              <a:rPr lang="de-DE" sz="1800" b="1" dirty="0"/>
+              <a:t>Designanforderungen</a:t>
+            </a:r>
+          </a:p>
+          <a:p>
+            <a:endParaRPr lang="de-DE" sz="1800" dirty="0"/>
+          </a:p>
+          <a:p>
+            <a:pPr marL="342900" indent="-342900">
+              <a:buFont typeface="+mj-lt"/>
+              <a:buAutoNum type="arabicParenBoth"/>
             </a:pPr>
             <a:r>
               <a:rPr lang="de-DE" sz="1800" dirty="0"/>
-              <a:t>Integration von GIT in Entwicklungsumgebungen (Abwesenheit integrierbarer Bibliothek)</a:t>
+              <a:t>Speichern von Daten</a:t>
             </a:r>
           </a:p>
           <a:p>
-            <a:pPr marL="285750" indent="-285750">
-              <a:buFont typeface="Arial" panose="020B0604020202020204" pitchFamily="34" charset="0"/>
-              <a:buChar char="•"/>
+            <a:pPr marL="342900" indent="-342900">
+              <a:buFont typeface="+mj-lt"/>
+              <a:buAutoNum type="arabicParenBoth"/>
             </a:pPr>
             <a:endParaRPr lang="de-DE" sz="1800" dirty="0"/>
           </a:p>
           <a:p>
-            <a:pPr marL="285750" indent="-285750">
-              <a:buFont typeface="Arial" panose="020B0604020202020204" pitchFamily="34" charset="0"/>
-              <a:buChar char="•"/>
+            <a:pPr marL="342900" indent="-342900">
+              <a:buFont typeface="+mj-lt"/>
+              <a:buAutoNum type="arabicParenBoth"/>
             </a:pPr>
             <a:r>
               <a:rPr lang="de-DE" sz="1800" dirty="0"/>
-              <a:t>Windows-Integration (Shell-Skripte) </a:t>
+              <a:t>Verfolgung von Änderungen</a:t>
             </a:r>
-            <a:r>
-              <a:rPr lang="de-DE" sz="1800" dirty="0">
-                <a:sym typeface="Wingdings" pitchFamily="2" charset="2"/>
-              </a:rPr>
-              <a:t> anfangs geringe Akzeptanz und verminderte industrielle Anwendung</a:t>
-            </a:r>
-          </a:p>
-          <a:p>
-            <a:pPr marL="285750" indent="-285750">
-              <a:buFont typeface="Arial" panose="020B0604020202020204" pitchFamily="34" charset="0"/>
-              <a:buChar char="•"/>
+          </a:p>
+          <a:p>
+            <a:pPr marL="342900" indent="-342900">
+              <a:buFont typeface="+mj-lt"/>
+              <a:buAutoNum type="arabicParenBoth"/>
             </a:pPr>
-            <a:endParaRPr lang="de-DE" sz="1800" dirty="0">
-              <a:sym typeface="Wingdings" pitchFamily="2" charset="2"/>
-            </a:endParaRPr>
-          </a:p>
-          <a:p>
-            <a:pPr marL="285750" indent="-285750">
-              <a:buFont typeface="Arial" panose="020B0604020202020204" pitchFamily="34" charset="0"/>
-              <a:buChar char="•"/>
+            <a:endParaRPr lang="de-DE" sz="1800" dirty="0"/>
+          </a:p>
+          <a:p>
+            <a:pPr marL="342900" indent="-342900">
+              <a:buFont typeface="+mj-lt"/>
+              <a:buAutoNum type="arabicParenBoth"/>
             </a:pPr>
             <a:r>
               <a:rPr lang="de-DE" sz="1800" dirty="0"/>
-              <a:t>Toolkit-Design (</a:t>
+              <a:t>Unterstützung verteilter Arbeitsabläufe</a:t>
             </a:r>
-            <a:r>
-              <a:rPr lang="de-DE" sz="1800" dirty="0" err="1"/>
-              <a:t>plumbing</a:t>
-            </a:r>
-            <a:r>
-              <a:rPr lang="de-DE" sz="1800" dirty="0"/>
-              <a:t> </a:t>
-            </a:r>
-            <a:r>
-              <a:rPr lang="de-DE" sz="1800" dirty="0" err="1"/>
-              <a:t>commands</a:t>
-            </a:r>
-            <a:r>
-              <a:rPr lang="de-DE" sz="1800" dirty="0"/>
-              <a:t>) erschwert Fehlerdiagnose</a:t>
-            </a:r>
-          </a:p>
-          <a:p>
-            <a:pPr marL="285750" indent="-285750">
-              <a:buFont typeface="Arial" panose="020B0604020202020204" pitchFamily="34" charset="0"/>
-              <a:buChar char="•"/>
+          </a:p>
+          <a:p>
+            <a:pPr marL="342900" indent="-342900">
+              <a:buFont typeface="+mj-lt"/>
+              <a:buAutoNum type="arabicParenBoth"/>
             </a:pPr>
             <a:endParaRPr lang="de-DE" sz="1800" dirty="0"/>
           </a:p>
           <a:p>
-            <a:pPr marL="285750" indent="-285750">
-              <a:buFont typeface="Arial" panose="020B0604020202020204" pitchFamily="34" charset="0"/>
-              <a:buChar char="•"/>
+            <a:pPr marL="342900" indent="-342900">
+              <a:buFont typeface="+mj-lt"/>
+              <a:buAutoNum type="arabicParenBoth"/>
             </a:pPr>
             <a:r>
               <a:rPr lang="de-DE" sz="1800" dirty="0"/>
-              <a:t>geringe Performance bei großen </a:t>
+              <a:t>Mechanismen zur Erkennung korrumpierter Daten</a:t>
             </a:r>
-            <a:r>
-              <a:rPr lang="de-DE" sz="1800" dirty="0" err="1"/>
-              <a:t>Repositories</a:t>
-            </a:r>
+          </a:p>
+          <a:p>
+            <a:pPr marL="342900" indent="-342900">
+              <a:buFont typeface="+mj-lt"/>
+              <a:buAutoNum type="arabicParenBoth"/>
+            </a:pPr>
+            <a:endParaRPr lang="de-DE" sz="1800" dirty="0"/>
+          </a:p>
+          <a:p>
+            <a:pPr marL="342900" indent="-342900">
+              <a:buFont typeface="+mj-lt"/>
+              <a:buAutoNum type="arabicParenBoth"/>
+            </a:pPr>
             <a:r>
               <a:rPr lang="de-DE" sz="1800" dirty="0"/>
-              <a:t> (jede Datei wird auf Änderung überprüft)</a:t>
+              <a:t>hohe Leistungsfähigkeit</a:t>
             </a:r>
+          </a:p>
+          <a:p>
+            <a:pPr marL="342900" indent="-342900">
+              <a:buFont typeface="+mj-lt"/>
+              <a:buAutoNum type="arabicParenBoth"/>
+            </a:pPr>
+            <a:endParaRPr lang="de-DE" sz="1800" dirty="0"/>
+          </a:p>
+          <a:p>
+            <a:pPr marL="342900" indent="-342900">
+              <a:buFont typeface="+mj-lt"/>
+              <a:buAutoNum type="arabicParenBoth"/>
+            </a:pPr>
+            <a:endParaRPr lang="de-DE" sz="1800" dirty="0"/>
           </a:p>
         </p:txBody>
       </p:sp>
@@ -6260,7 +7067,7 @@
     </p:spTree>
     <p:extLst>
       <p:ext uri="{BB962C8B-B14F-4D97-AF65-F5344CB8AC3E}">
-        <p14:creationId xmlns:p14="http://schemas.microsoft.com/office/powerpoint/2010/main" val="2513129144"/>
+        <p14:creationId xmlns:p14="http://schemas.microsoft.com/office/powerpoint/2010/main" val="646190437"/>
       </p:ext>
     </p:extLst>
   </p:cSld>
@@ -6428,6 +7235,2474 @@
           <p:cNvPr id="2" name="Titel 1">
             <a:extLst>
               <a:ext uri="{FF2B5EF4-FFF2-40B4-BE49-F238E27FC236}">
+                <a16:creationId xmlns:a16="http://schemas.microsoft.com/office/drawing/2014/main" id="{8202B4F8-E830-421B-A208-67A106E24504}"/>
+              </a:ext>
+            </a:extLst>
+          </p:cNvPr>
+          <p:cNvSpPr>
+            <a:spLocks noGrp="1"/>
+          </p:cNvSpPr>
+          <p:nvPr>
+            <p:ph type="title"/>
+          </p:nvPr>
+        </p:nvSpPr>
+        <p:spPr/>
+        <p:txBody>
+          <a:bodyPr/>
+          <a:lstStyle/>
+          <a:p>
+            <a:r>
+              <a:rPr lang="de-DE" dirty="0"/>
+              <a:t>Systembewertung</a:t>
+            </a:r>
+          </a:p>
+        </p:txBody>
+      </p:sp>
+      <p:cxnSp>
+        <p:nvCxnSpPr>
+          <p:cNvPr id="4" name="Gerader Verbinder 3">
+            <a:extLst>
+              <a:ext uri="{FF2B5EF4-FFF2-40B4-BE49-F238E27FC236}">
+                <a16:creationId xmlns:a16="http://schemas.microsoft.com/office/drawing/2014/main" id="{9531D4BE-FDB8-49C9-A1CE-DD37DE7586C2}"/>
+              </a:ext>
+            </a:extLst>
+          </p:cNvPr>
+          <p:cNvCxnSpPr>
+            <a:cxnSpLocks/>
+            <a:stCxn id="5" idx="0"/>
+            <a:endCxn id="8" idx="0"/>
+          </p:cNvCxnSpPr>
+          <p:nvPr/>
+        </p:nvCxnSpPr>
+        <p:spPr>
+          <a:xfrm>
+            <a:off x="290355" y="1216751"/>
+            <a:ext cx="0" cy="3607620"/>
+          </a:xfrm>
+          <a:prstGeom prst="line">
+            <a:avLst/>
+          </a:prstGeom>
+          <a:ln w="28575">
+            <a:solidFill>
+              <a:schemeClr val="accent2"/>
+            </a:solidFill>
+          </a:ln>
+        </p:spPr>
+        <p:style>
+          <a:lnRef idx="1">
+            <a:schemeClr val="accent1"/>
+          </a:lnRef>
+          <a:fillRef idx="0">
+            <a:schemeClr val="accent1"/>
+          </a:fillRef>
+          <a:effectRef idx="0">
+            <a:schemeClr val="accent1"/>
+          </a:effectRef>
+          <a:fontRef idx="minor">
+            <a:schemeClr val="tx1"/>
+          </a:fontRef>
+        </p:style>
+      </p:cxnSp>
+      <p:sp>
+        <p:nvSpPr>
+          <p:cNvPr id="5" name="Oval 4">
+            <a:extLst>
+              <a:ext uri="{FF2B5EF4-FFF2-40B4-BE49-F238E27FC236}">
+                <a16:creationId xmlns:a16="http://schemas.microsoft.com/office/drawing/2014/main" id="{EC007E9C-03BA-415D-BBF1-DF88AD14926C}"/>
+              </a:ext>
+            </a:extLst>
+          </p:cNvPr>
+          <p:cNvSpPr/>
+          <p:nvPr/>
+        </p:nvSpPr>
+        <p:spPr>
+          <a:xfrm>
+            <a:off x="200355" y="1216751"/>
+            <a:ext cx="180000" cy="180000"/>
+          </a:xfrm>
+          <a:prstGeom prst="ellipse">
+            <a:avLst/>
+          </a:prstGeom>
+          <a:solidFill>
+            <a:srgbClr val="C00000"/>
+          </a:solidFill>
+          <a:ln>
+            <a:noFill/>
+          </a:ln>
+        </p:spPr>
+        <p:style>
+          <a:lnRef idx="2">
+            <a:schemeClr val="accent1">
+              <a:shade val="50000"/>
+            </a:schemeClr>
+          </a:lnRef>
+          <a:fillRef idx="1">
+            <a:schemeClr val="accent1"/>
+          </a:fillRef>
+          <a:effectRef idx="0">
+            <a:schemeClr val="accent1"/>
+          </a:effectRef>
+          <a:fontRef idx="minor">
+            <a:schemeClr val="lt1"/>
+          </a:fontRef>
+        </p:style>
+        <p:txBody>
+          <a:bodyPr rtlCol="0" anchor="ctr"/>
+          <a:lstStyle/>
+          <a:p>
+            <a:pPr marL="0" marR="0" lvl="0" indent="0" algn="ctr" defTabSz="914400" rtl="0" eaLnBrk="1" fontAlgn="base" latinLnBrk="0" hangingPunct="1">
+              <a:lnSpc>
+                <a:spcPct val="100000"/>
+              </a:lnSpc>
+              <a:spcBef>
+                <a:spcPct val="0"/>
+              </a:spcBef>
+              <a:spcAft>
+                <a:spcPct val="0"/>
+              </a:spcAft>
+              <a:buClrTx/>
+              <a:buSzTx/>
+              <a:buFontTx/>
+              <a:buNone/>
+              <a:tabLst/>
+              <a:defRPr/>
+            </a:pPr>
+            <a:endParaRPr kumimoji="0" lang="de-DE" sz="1800" b="0" i="0" u="none" strike="noStrike" kern="1200" cap="none" spc="0" normalizeH="0" baseline="0" noProof="0">
+              <a:ln>
+                <a:noFill/>
+              </a:ln>
+              <a:solidFill>
+                <a:srgbClr val="FFFFFF"/>
+              </a:solidFill>
+              <a:effectLst/>
+              <a:uLnTx/>
+              <a:uFillTx/>
+              <a:latin typeface="Arial"/>
+              <a:ea typeface="+mn-ea"/>
+              <a:cs typeface="+mn-cs"/>
+            </a:endParaRPr>
+          </a:p>
+        </p:txBody>
+      </p:sp>
+      <p:sp>
+        <p:nvSpPr>
+          <p:cNvPr id="6" name="Oval 4">
+            <a:extLst>
+              <a:ext uri="{FF2B5EF4-FFF2-40B4-BE49-F238E27FC236}">
+                <a16:creationId xmlns:a16="http://schemas.microsoft.com/office/drawing/2014/main" id="{C74C4E79-C16A-43E0-B8F4-084D4093A45E}"/>
+              </a:ext>
+            </a:extLst>
+          </p:cNvPr>
+          <p:cNvSpPr/>
+          <p:nvPr/>
+        </p:nvSpPr>
+        <p:spPr>
+          <a:xfrm>
+            <a:off x="200355" y="3024371"/>
+            <a:ext cx="180000" cy="180000"/>
+          </a:xfrm>
+          <a:prstGeom prst="ellipse">
+            <a:avLst/>
+          </a:prstGeom>
+          <a:solidFill>
+            <a:schemeClr val="bg2"/>
+          </a:solidFill>
+          <a:ln>
+            <a:noFill/>
+          </a:ln>
+        </p:spPr>
+        <p:style>
+          <a:lnRef idx="2">
+            <a:schemeClr val="accent1">
+              <a:shade val="50000"/>
+            </a:schemeClr>
+          </a:lnRef>
+          <a:fillRef idx="1">
+            <a:schemeClr val="accent1"/>
+          </a:fillRef>
+          <a:effectRef idx="0">
+            <a:schemeClr val="accent1"/>
+          </a:effectRef>
+          <a:fontRef idx="minor">
+            <a:schemeClr val="lt1"/>
+          </a:fontRef>
+        </p:style>
+        <p:txBody>
+          <a:bodyPr rtlCol="0" anchor="ctr"/>
+          <a:lstStyle/>
+          <a:p>
+            <a:pPr marL="0" marR="0" lvl="0" indent="0" algn="ctr" defTabSz="914400" rtl="0" eaLnBrk="1" fontAlgn="base" latinLnBrk="0" hangingPunct="1">
+              <a:lnSpc>
+                <a:spcPct val="100000"/>
+              </a:lnSpc>
+              <a:spcBef>
+                <a:spcPct val="0"/>
+              </a:spcBef>
+              <a:spcAft>
+                <a:spcPct val="0"/>
+              </a:spcAft>
+              <a:buClrTx/>
+              <a:buSzTx/>
+              <a:buFontTx/>
+              <a:buNone/>
+              <a:tabLst/>
+              <a:defRPr/>
+            </a:pPr>
+            <a:endParaRPr kumimoji="0" lang="de-DE" sz="1800" b="0" i="0" u="none" strike="noStrike" kern="1200" cap="none" spc="0" normalizeH="0" baseline="0" noProof="0">
+              <a:ln>
+                <a:noFill/>
+              </a:ln>
+              <a:solidFill>
+                <a:srgbClr val="FFFFFF"/>
+              </a:solidFill>
+              <a:effectLst/>
+              <a:uLnTx/>
+              <a:uFillTx/>
+              <a:latin typeface="Arial"/>
+              <a:ea typeface="+mn-ea"/>
+              <a:cs typeface="+mn-cs"/>
+            </a:endParaRPr>
+          </a:p>
+        </p:txBody>
+      </p:sp>
+      <p:sp>
+        <p:nvSpPr>
+          <p:cNvPr id="7" name="Oval 4">
+            <a:extLst>
+              <a:ext uri="{FF2B5EF4-FFF2-40B4-BE49-F238E27FC236}">
+                <a16:creationId xmlns:a16="http://schemas.microsoft.com/office/drawing/2014/main" id="{E54CCA89-6CD1-4E94-A4CF-3D433DD09714}"/>
+              </a:ext>
+            </a:extLst>
+          </p:cNvPr>
+          <p:cNvSpPr/>
+          <p:nvPr/>
+        </p:nvSpPr>
+        <p:spPr>
+          <a:xfrm>
+            <a:off x="200355" y="3924371"/>
+            <a:ext cx="180000" cy="180000"/>
+          </a:xfrm>
+          <a:prstGeom prst="ellipse">
+            <a:avLst/>
+          </a:prstGeom>
+          <a:solidFill>
+            <a:schemeClr val="bg2"/>
+          </a:solidFill>
+          <a:ln>
+            <a:noFill/>
+          </a:ln>
+        </p:spPr>
+        <p:style>
+          <a:lnRef idx="2">
+            <a:schemeClr val="accent1">
+              <a:shade val="50000"/>
+            </a:schemeClr>
+          </a:lnRef>
+          <a:fillRef idx="1">
+            <a:schemeClr val="accent1"/>
+          </a:fillRef>
+          <a:effectRef idx="0">
+            <a:schemeClr val="accent1"/>
+          </a:effectRef>
+          <a:fontRef idx="minor">
+            <a:schemeClr val="lt1"/>
+          </a:fontRef>
+        </p:style>
+        <p:txBody>
+          <a:bodyPr rtlCol="0" anchor="ctr"/>
+          <a:lstStyle/>
+          <a:p>
+            <a:pPr marL="0" marR="0" lvl="0" indent="0" algn="ctr" defTabSz="914400" rtl="0" eaLnBrk="1" fontAlgn="base" latinLnBrk="0" hangingPunct="1">
+              <a:lnSpc>
+                <a:spcPct val="100000"/>
+              </a:lnSpc>
+              <a:spcBef>
+                <a:spcPct val="0"/>
+              </a:spcBef>
+              <a:spcAft>
+                <a:spcPct val="0"/>
+              </a:spcAft>
+              <a:buClrTx/>
+              <a:buSzTx/>
+              <a:buFontTx/>
+              <a:buNone/>
+              <a:tabLst/>
+              <a:defRPr/>
+            </a:pPr>
+            <a:endParaRPr kumimoji="0" lang="de-DE" sz="1800" b="0" i="0" u="none" strike="noStrike" kern="1200" cap="none" spc="0" normalizeH="0" baseline="0" noProof="0">
+              <a:ln>
+                <a:noFill/>
+              </a:ln>
+              <a:solidFill>
+                <a:srgbClr val="FFFFFF"/>
+              </a:solidFill>
+              <a:effectLst/>
+              <a:uLnTx/>
+              <a:uFillTx/>
+              <a:latin typeface="Arial"/>
+              <a:ea typeface="+mn-ea"/>
+              <a:cs typeface="+mn-cs"/>
+            </a:endParaRPr>
+          </a:p>
+        </p:txBody>
+      </p:sp>
+      <p:sp>
+        <p:nvSpPr>
+          <p:cNvPr id="8" name="Oval 4">
+            <a:extLst>
+              <a:ext uri="{FF2B5EF4-FFF2-40B4-BE49-F238E27FC236}">
+                <a16:creationId xmlns:a16="http://schemas.microsoft.com/office/drawing/2014/main" id="{578DBC75-9F51-4671-BFE3-0106162E634B}"/>
+              </a:ext>
+            </a:extLst>
+          </p:cNvPr>
+          <p:cNvSpPr/>
+          <p:nvPr/>
+        </p:nvSpPr>
+        <p:spPr>
+          <a:xfrm>
+            <a:off x="200355" y="4824371"/>
+            <a:ext cx="180000" cy="180000"/>
+          </a:xfrm>
+          <a:prstGeom prst="ellipse">
+            <a:avLst/>
+          </a:prstGeom>
+          <a:solidFill>
+            <a:schemeClr val="accent2"/>
+          </a:solidFill>
+          <a:ln>
+            <a:noFill/>
+          </a:ln>
+        </p:spPr>
+        <p:style>
+          <a:lnRef idx="2">
+            <a:schemeClr val="accent1">
+              <a:shade val="50000"/>
+            </a:schemeClr>
+          </a:lnRef>
+          <a:fillRef idx="1">
+            <a:schemeClr val="accent1"/>
+          </a:fillRef>
+          <a:effectRef idx="0">
+            <a:schemeClr val="accent1"/>
+          </a:effectRef>
+          <a:fontRef idx="minor">
+            <a:schemeClr val="lt1"/>
+          </a:fontRef>
+        </p:style>
+        <p:txBody>
+          <a:bodyPr rtlCol="0" anchor="ctr"/>
+          <a:lstStyle/>
+          <a:p>
+            <a:pPr marL="0" marR="0" lvl="0" indent="0" algn="ctr" defTabSz="914400" rtl="0" eaLnBrk="1" fontAlgn="base" latinLnBrk="0" hangingPunct="1">
+              <a:lnSpc>
+                <a:spcPct val="100000"/>
+              </a:lnSpc>
+              <a:spcBef>
+                <a:spcPct val="0"/>
+              </a:spcBef>
+              <a:spcAft>
+                <a:spcPct val="0"/>
+              </a:spcAft>
+              <a:buClrTx/>
+              <a:buSzTx/>
+              <a:buFontTx/>
+              <a:buNone/>
+              <a:tabLst/>
+              <a:defRPr/>
+            </a:pPr>
+            <a:endParaRPr kumimoji="0" lang="de-DE" sz="1800" b="0" i="0" u="none" strike="noStrike" kern="1200" cap="none" spc="0" normalizeH="0" baseline="0" noProof="0">
+              <a:ln>
+                <a:noFill/>
+              </a:ln>
+              <a:solidFill>
+                <a:srgbClr val="FFFFFF"/>
+              </a:solidFill>
+              <a:effectLst/>
+              <a:uLnTx/>
+              <a:uFillTx/>
+              <a:latin typeface="Arial"/>
+              <a:ea typeface="+mn-ea"/>
+              <a:cs typeface="+mn-cs"/>
+            </a:endParaRPr>
+          </a:p>
+        </p:txBody>
+      </p:sp>
+      <p:cxnSp>
+        <p:nvCxnSpPr>
+          <p:cNvPr id="9" name="Gerader Verbinder 8">
+            <a:extLst>
+              <a:ext uri="{FF2B5EF4-FFF2-40B4-BE49-F238E27FC236}">
+                <a16:creationId xmlns:a16="http://schemas.microsoft.com/office/drawing/2014/main" id="{B161D20D-F1BA-4CEF-B444-99C0BC85A45F}"/>
+              </a:ext>
+            </a:extLst>
+          </p:cNvPr>
+          <p:cNvCxnSpPr>
+            <a:cxnSpLocks/>
+            <a:stCxn id="5" idx="0"/>
+          </p:cNvCxnSpPr>
+          <p:nvPr/>
+        </p:nvCxnSpPr>
+        <p:spPr>
+          <a:xfrm>
+            <a:off x="290355" y="1216751"/>
+            <a:ext cx="0" cy="3275620"/>
+          </a:xfrm>
+          <a:prstGeom prst="line">
+            <a:avLst/>
+          </a:prstGeom>
+          <a:ln w="28575">
+            <a:solidFill>
+              <a:srgbClr val="C00000"/>
+            </a:solidFill>
+          </a:ln>
+        </p:spPr>
+        <p:style>
+          <a:lnRef idx="1">
+            <a:schemeClr val="accent1"/>
+          </a:lnRef>
+          <a:fillRef idx="0">
+            <a:schemeClr val="accent1"/>
+          </a:fillRef>
+          <a:effectRef idx="0">
+            <a:schemeClr val="accent1"/>
+          </a:effectRef>
+          <a:fontRef idx="minor">
+            <a:schemeClr val="tx1"/>
+          </a:fontRef>
+        </p:style>
+      </p:cxnSp>
+      <p:cxnSp>
+        <p:nvCxnSpPr>
+          <p:cNvPr id="10" name="Gerader Verbinder 10">
+            <a:extLst>
+              <a:ext uri="{FF2B5EF4-FFF2-40B4-BE49-F238E27FC236}">
+                <a16:creationId xmlns:a16="http://schemas.microsoft.com/office/drawing/2014/main" id="{73936D90-9DAA-443D-963B-AAD501A4454A}"/>
+              </a:ext>
+            </a:extLst>
+          </p:cNvPr>
+          <p:cNvCxnSpPr>
+            <a:cxnSpLocks/>
+          </p:cNvCxnSpPr>
+          <p:nvPr/>
+        </p:nvCxnSpPr>
+        <p:spPr>
+          <a:xfrm>
+            <a:off x="290355" y="4035257"/>
+            <a:ext cx="0" cy="914228"/>
+          </a:xfrm>
+          <a:prstGeom prst="line">
+            <a:avLst/>
+          </a:prstGeom>
+          <a:ln w="28575">
+            <a:solidFill>
+              <a:srgbClr val="C00000"/>
+            </a:solidFill>
+          </a:ln>
+        </p:spPr>
+        <p:style>
+          <a:lnRef idx="1">
+            <a:schemeClr val="accent1"/>
+          </a:lnRef>
+          <a:fillRef idx="0">
+            <a:schemeClr val="accent1"/>
+          </a:fillRef>
+          <a:effectRef idx="0">
+            <a:schemeClr val="accent1"/>
+          </a:effectRef>
+          <a:fontRef idx="minor">
+            <a:schemeClr val="tx1"/>
+          </a:fontRef>
+        </p:style>
+      </p:cxnSp>
+      <p:sp>
+        <p:nvSpPr>
+          <p:cNvPr id="11" name="Oval 4">
+            <a:extLst>
+              <a:ext uri="{FF2B5EF4-FFF2-40B4-BE49-F238E27FC236}">
+                <a16:creationId xmlns:a16="http://schemas.microsoft.com/office/drawing/2014/main" id="{A817C965-5888-4492-AED7-4BEF29D0FC2B}"/>
+              </a:ext>
+            </a:extLst>
+          </p:cNvPr>
+          <p:cNvSpPr/>
+          <p:nvPr/>
+        </p:nvSpPr>
+        <p:spPr>
+          <a:xfrm>
+            <a:off x="200355" y="2124371"/>
+            <a:ext cx="180000" cy="180000"/>
+          </a:xfrm>
+          <a:prstGeom prst="ellipse">
+            <a:avLst/>
+          </a:prstGeom>
+          <a:solidFill>
+            <a:schemeClr val="bg2"/>
+          </a:solidFill>
+          <a:ln>
+            <a:noFill/>
+          </a:ln>
+        </p:spPr>
+        <p:style>
+          <a:lnRef idx="2">
+            <a:schemeClr val="accent1">
+              <a:shade val="50000"/>
+            </a:schemeClr>
+          </a:lnRef>
+          <a:fillRef idx="1">
+            <a:schemeClr val="accent1"/>
+          </a:fillRef>
+          <a:effectRef idx="0">
+            <a:schemeClr val="accent1"/>
+          </a:effectRef>
+          <a:fontRef idx="minor">
+            <a:schemeClr val="lt1"/>
+          </a:fontRef>
+        </p:style>
+        <p:txBody>
+          <a:bodyPr rtlCol="0" anchor="ctr"/>
+          <a:lstStyle/>
+          <a:p>
+            <a:pPr marL="0" marR="0" lvl="0" indent="0" algn="ctr" defTabSz="914400" rtl="0" eaLnBrk="1" fontAlgn="base" latinLnBrk="0" hangingPunct="1">
+              <a:lnSpc>
+                <a:spcPct val="100000"/>
+              </a:lnSpc>
+              <a:spcBef>
+                <a:spcPct val="0"/>
+              </a:spcBef>
+              <a:spcAft>
+                <a:spcPct val="0"/>
+              </a:spcAft>
+              <a:buClrTx/>
+              <a:buSzTx/>
+              <a:buFontTx/>
+              <a:buNone/>
+              <a:tabLst/>
+              <a:defRPr/>
+            </a:pPr>
+            <a:endParaRPr kumimoji="0" lang="de-DE" sz="1800" b="0" i="0" u="none" strike="noStrike" kern="1200" cap="none" spc="0" normalizeH="0" baseline="0" noProof="0">
+              <a:ln>
+                <a:noFill/>
+              </a:ln>
+              <a:solidFill>
+                <a:srgbClr val="FFFFFF"/>
+              </a:solidFill>
+              <a:effectLst/>
+              <a:uLnTx/>
+              <a:uFillTx/>
+              <a:latin typeface="Arial"/>
+              <a:ea typeface="+mn-ea"/>
+              <a:cs typeface="+mn-cs"/>
+            </a:endParaRPr>
+          </a:p>
+        </p:txBody>
+      </p:sp>
+      <p:sp>
+        <p:nvSpPr>
+          <p:cNvPr id="12" name="Oval 4">
+            <a:extLst>
+              <a:ext uri="{FF2B5EF4-FFF2-40B4-BE49-F238E27FC236}">
+                <a16:creationId xmlns:a16="http://schemas.microsoft.com/office/drawing/2014/main" id="{D7B4EACC-67A1-4B28-AC6F-D4F3EBDF23FC}"/>
+              </a:ext>
+            </a:extLst>
+          </p:cNvPr>
+          <p:cNvSpPr/>
+          <p:nvPr/>
+        </p:nvSpPr>
+        <p:spPr>
+          <a:xfrm>
+            <a:off x="200355" y="4824371"/>
+            <a:ext cx="180000" cy="180000"/>
+          </a:xfrm>
+          <a:prstGeom prst="ellipse">
+            <a:avLst/>
+          </a:prstGeom>
+          <a:solidFill>
+            <a:schemeClr val="bg2"/>
+          </a:solidFill>
+          <a:ln>
+            <a:noFill/>
+          </a:ln>
+        </p:spPr>
+        <p:style>
+          <a:lnRef idx="2">
+            <a:schemeClr val="accent1">
+              <a:shade val="50000"/>
+            </a:schemeClr>
+          </a:lnRef>
+          <a:fillRef idx="1">
+            <a:schemeClr val="accent1"/>
+          </a:fillRef>
+          <a:effectRef idx="0">
+            <a:schemeClr val="accent1"/>
+          </a:effectRef>
+          <a:fontRef idx="minor">
+            <a:schemeClr val="lt1"/>
+          </a:fontRef>
+        </p:style>
+        <p:txBody>
+          <a:bodyPr rtlCol="0" anchor="ctr"/>
+          <a:lstStyle/>
+          <a:p>
+            <a:pPr marL="0" marR="0" lvl="0" indent="0" algn="ctr" defTabSz="914400" rtl="0" eaLnBrk="1" fontAlgn="base" latinLnBrk="0" hangingPunct="1">
+              <a:lnSpc>
+                <a:spcPct val="100000"/>
+              </a:lnSpc>
+              <a:spcBef>
+                <a:spcPct val="0"/>
+              </a:spcBef>
+              <a:spcAft>
+                <a:spcPct val="0"/>
+              </a:spcAft>
+              <a:buClrTx/>
+              <a:buSzTx/>
+              <a:buFontTx/>
+              <a:buNone/>
+              <a:tabLst/>
+              <a:defRPr/>
+            </a:pPr>
+            <a:endParaRPr kumimoji="0" lang="de-DE" sz="1800" b="0" i="0" u="none" strike="noStrike" kern="1200" cap="none" spc="0" normalizeH="0" baseline="0" noProof="0">
+              <a:ln>
+                <a:noFill/>
+              </a:ln>
+              <a:solidFill>
+                <a:srgbClr val="FFFFFF"/>
+              </a:solidFill>
+              <a:effectLst/>
+              <a:uLnTx/>
+              <a:uFillTx/>
+              <a:latin typeface="Arial"/>
+              <a:ea typeface="+mn-ea"/>
+              <a:cs typeface="+mn-cs"/>
+            </a:endParaRPr>
+          </a:p>
+        </p:txBody>
+      </p:sp>
+      <p:sp>
+        <p:nvSpPr>
+          <p:cNvPr id="13" name="Inhaltsplatzhalter 2">
+            <a:extLst>
+              <a:ext uri="{FF2B5EF4-FFF2-40B4-BE49-F238E27FC236}">
+                <a16:creationId xmlns:a16="http://schemas.microsoft.com/office/drawing/2014/main" id="{EED655D8-2D74-9542-95C8-660AF1D7409E}"/>
+              </a:ext>
+            </a:extLst>
+          </p:cNvPr>
+          <p:cNvSpPr txBox="1">
+            <a:spLocks/>
+          </p:cNvSpPr>
+          <p:nvPr/>
+        </p:nvSpPr>
+        <p:spPr bwMode="auto">
+          <a:xfrm>
+            <a:off x="706838" y="1198167"/>
+            <a:ext cx="10159690" cy="4772025"/>
+          </a:xfrm>
+          <a:prstGeom prst="rect">
+            <a:avLst/>
+          </a:prstGeom>
+          <a:noFill/>
+          <a:ln>
+            <a:noFill/>
+          </a:ln>
+          <a:effectLst/>
+          <a:extLst>
+            <a:ext uri="{909E8E84-426E-40DD-AFC4-6F175D3DCCD1}">
+              <a14:hiddenFill xmlns:a14="http://schemas.microsoft.com/office/drawing/2010/main">
+                <a:solidFill>
+                  <a:schemeClr val="accent1"/>
+                </a:solidFill>
+              </a14:hiddenFill>
+            </a:ext>
+            <a:ext uri="{91240B29-F687-4F45-9708-019B960494DF}">
+              <a14:hiddenLine xmlns:a14="http://schemas.microsoft.com/office/drawing/2010/main" w="9525">
+                <a:solidFill>
+                  <a:schemeClr val="tx1"/>
+                </a:solidFill>
+                <a:miter lim="800000"/>
+                <a:headEnd/>
+                <a:tailEnd/>
+              </a14:hiddenLine>
+            </a:ext>
+            <a:ext uri="{AF507438-7753-43E0-B8FC-AC1667EBCBE1}">
+              <a14:hiddenEffects xmlns:a14="http://schemas.microsoft.com/office/drawing/2010/main">
+                <a:effectLst>
+                  <a:outerShdw dist="35921" dir="2700000" algn="ctr" rotWithShape="0">
+                    <a:schemeClr val="bg2"/>
+                  </a:outerShdw>
+                </a:effectLst>
+              </a14:hiddenEffects>
+            </a:ext>
+          </a:extLst>
+        </p:spPr>
+        <p:txBody>
+          <a:bodyPr vert="horz" wrap="square" lIns="0" tIns="0" rIns="0" bIns="0" numCol="1" anchor="t" anchorCtr="0" compatLnSpc="1">
+            <a:prstTxWarp prst="textNoShape">
+              <a:avLst/>
+            </a:prstTxWarp>
+          </a:bodyPr>
+          <a:lstStyle>
+            <a:lvl1pPr algn="l" rtl="0" eaLnBrk="0" fontAlgn="base" hangingPunct="0">
+              <a:spcBef>
+                <a:spcPct val="20000"/>
+              </a:spcBef>
+              <a:spcAft>
+                <a:spcPct val="0"/>
+              </a:spcAft>
+              <a:defRPr sz="1600">
+                <a:solidFill>
+                  <a:schemeClr val="tx1"/>
+                </a:solidFill>
+                <a:latin typeface="+mn-lt"/>
+                <a:ea typeface="+mn-ea"/>
+                <a:cs typeface="+mn-cs"/>
+              </a:defRPr>
+            </a:lvl1pPr>
+            <a:lvl2pPr marL="190500" indent="-188913" algn="l" rtl="0" eaLnBrk="0" fontAlgn="base" hangingPunct="0">
+              <a:spcBef>
+                <a:spcPct val="20000"/>
+              </a:spcBef>
+              <a:spcAft>
+                <a:spcPct val="0"/>
+              </a:spcAft>
+              <a:buClr>
+                <a:schemeClr val="tx1"/>
+              </a:buClr>
+              <a:buFont typeface="Wingdings" panose="05000000000000000000" pitchFamily="2" charset="2"/>
+              <a:buChar char="§"/>
+              <a:defRPr sz="1600">
+                <a:solidFill>
+                  <a:schemeClr val="tx1"/>
+                </a:solidFill>
+                <a:latin typeface="+mn-lt"/>
+              </a:defRPr>
+            </a:lvl2pPr>
+            <a:lvl3pPr marL="361950" indent="-169863" algn="l" rtl="0" eaLnBrk="0" fontAlgn="base" hangingPunct="0">
+              <a:spcBef>
+                <a:spcPct val="20000"/>
+              </a:spcBef>
+              <a:spcAft>
+                <a:spcPct val="0"/>
+              </a:spcAft>
+              <a:buFont typeface="Wingdings" panose="05000000000000000000" pitchFamily="2" charset="2"/>
+              <a:buChar char="§"/>
+              <a:defRPr sz="1600">
+                <a:solidFill>
+                  <a:schemeClr val="tx1"/>
+                </a:solidFill>
+                <a:latin typeface="+mn-lt"/>
+              </a:defRPr>
+            </a:lvl3pPr>
+            <a:lvl4pPr marL="542925" indent="-179388" algn="l" rtl="0" eaLnBrk="0" fontAlgn="base" hangingPunct="0">
+              <a:spcBef>
+                <a:spcPct val="20000"/>
+              </a:spcBef>
+              <a:spcAft>
+                <a:spcPct val="0"/>
+              </a:spcAft>
+              <a:buClr>
+                <a:schemeClr val="tx1"/>
+              </a:buClr>
+              <a:buFont typeface="Wingdings" panose="05000000000000000000" pitchFamily="2" charset="2"/>
+              <a:buChar char="§"/>
+              <a:defRPr sz="1600">
+                <a:solidFill>
+                  <a:schemeClr val="tx1"/>
+                </a:solidFill>
+                <a:latin typeface="+mn-lt"/>
+              </a:defRPr>
+            </a:lvl4pPr>
+            <a:lvl5pPr marL="742950" indent="-198438" algn="l" rtl="0" eaLnBrk="0" fontAlgn="base" hangingPunct="0">
+              <a:spcBef>
+                <a:spcPct val="20000"/>
+              </a:spcBef>
+              <a:spcAft>
+                <a:spcPct val="0"/>
+              </a:spcAft>
+              <a:buFont typeface="Wingdings" panose="05000000000000000000" pitchFamily="2" charset="2"/>
+              <a:buChar char="§"/>
+              <a:defRPr sz="1600">
+                <a:solidFill>
+                  <a:schemeClr val="tx1"/>
+                </a:solidFill>
+                <a:latin typeface="+mn-lt"/>
+              </a:defRPr>
+            </a:lvl5pPr>
+            <a:lvl6pPr marL="1200150" indent="-198438" algn="l" rtl="0" fontAlgn="base">
+              <a:spcBef>
+                <a:spcPct val="20000"/>
+              </a:spcBef>
+              <a:spcAft>
+                <a:spcPct val="0"/>
+              </a:spcAft>
+              <a:buFont typeface="Wingdings" pitchFamily="2" charset="2"/>
+              <a:buChar char="§"/>
+              <a:defRPr sz="1600">
+                <a:solidFill>
+                  <a:schemeClr val="tx1"/>
+                </a:solidFill>
+                <a:latin typeface="+mn-lt"/>
+              </a:defRPr>
+            </a:lvl6pPr>
+            <a:lvl7pPr marL="1657350" indent="-198438" algn="l" rtl="0" fontAlgn="base">
+              <a:spcBef>
+                <a:spcPct val="20000"/>
+              </a:spcBef>
+              <a:spcAft>
+                <a:spcPct val="0"/>
+              </a:spcAft>
+              <a:buFont typeface="Wingdings" pitchFamily="2" charset="2"/>
+              <a:buChar char="§"/>
+              <a:defRPr sz="1600">
+                <a:solidFill>
+                  <a:schemeClr val="tx1"/>
+                </a:solidFill>
+                <a:latin typeface="+mn-lt"/>
+              </a:defRPr>
+            </a:lvl7pPr>
+            <a:lvl8pPr marL="2114550" indent="-198438" algn="l" rtl="0" fontAlgn="base">
+              <a:spcBef>
+                <a:spcPct val="20000"/>
+              </a:spcBef>
+              <a:spcAft>
+                <a:spcPct val="0"/>
+              </a:spcAft>
+              <a:buFont typeface="Wingdings" pitchFamily="2" charset="2"/>
+              <a:buChar char="§"/>
+              <a:defRPr sz="1600">
+                <a:solidFill>
+                  <a:schemeClr val="tx1"/>
+                </a:solidFill>
+                <a:latin typeface="+mn-lt"/>
+              </a:defRPr>
+            </a:lvl8pPr>
+            <a:lvl9pPr marL="2571750" indent="-198438" algn="l" rtl="0" fontAlgn="base">
+              <a:spcBef>
+                <a:spcPct val="20000"/>
+              </a:spcBef>
+              <a:spcAft>
+                <a:spcPct val="0"/>
+              </a:spcAft>
+              <a:buFont typeface="Wingdings" pitchFamily="2" charset="2"/>
+              <a:buChar char="§"/>
+              <a:defRPr sz="1600">
+                <a:solidFill>
+                  <a:schemeClr val="tx1"/>
+                </a:solidFill>
+                <a:latin typeface="+mn-lt"/>
+              </a:defRPr>
+            </a:lvl9pPr>
+          </a:lstStyle>
+          <a:p>
+            <a:r>
+              <a:rPr lang="de-DE" sz="1800" b="1" kern="0" dirty="0"/>
+              <a:t>Designmerkmale</a:t>
+            </a:r>
+          </a:p>
+          <a:p>
+            <a:endParaRPr lang="de-DE" sz="1800" kern="0" dirty="0"/>
+          </a:p>
+          <a:p>
+            <a:pPr marL="285750" indent="-285750">
+              <a:buFont typeface="Arial" panose="020B0604020202020204" pitchFamily="34" charset="0"/>
+              <a:buChar char="•"/>
+            </a:pPr>
+            <a:r>
+              <a:rPr lang="de-DE" sz="1800" dirty="0"/>
+              <a:t>Gerichtete azyklische Graphen als Repräsentation der Datenstruktur</a:t>
+            </a:r>
+          </a:p>
+          <a:p>
+            <a:pPr marL="285750" indent="-285750">
+              <a:buFont typeface="Arial" panose="020B0604020202020204" pitchFamily="34" charset="0"/>
+              <a:buChar char="•"/>
+            </a:pPr>
+            <a:endParaRPr lang="de-DE" sz="1800" dirty="0"/>
+          </a:p>
+          <a:p>
+            <a:pPr marL="285750" indent="-285750">
+              <a:buFont typeface="Arial" panose="020B0604020202020204" pitchFamily="34" charset="0"/>
+              <a:buChar char="•"/>
+            </a:pPr>
+            <a:r>
+              <a:rPr lang="de-DE" sz="1800" dirty="0"/>
+              <a:t>SHAs als Identifier für GIT Objekte</a:t>
+            </a:r>
+          </a:p>
+          <a:p>
+            <a:pPr marL="285750" indent="-285750">
+              <a:buFont typeface="Arial" panose="020B0604020202020204" pitchFamily="34" charset="0"/>
+              <a:buChar char="•"/>
+            </a:pPr>
+            <a:endParaRPr lang="de-DE" sz="1800" dirty="0"/>
+          </a:p>
+          <a:p>
+            <a:pPr marL="285750" indent="-285750">
+              <a:buFont typeface="Arial" panose="020B0604020202020204" pitchFamily="34" charset="0"/>
+              <a:buChar char="•"/>
+            </a:pPr>
+            <a:r>
+              <a:rPr lang="de-DE" sz="1800" dirty="0"/>
+              <a:t>Trennung von lokalem und remote Repository</a:t>
+            </a:r>
+          </a:p>
+          <a:p>
+            <a:pPr marL="285750" indent="-285750">
+              <a:buFont typeface="Arial" panose="020B0604020202020204" pitchFamily="34" charset="0"/>
+              <a:buChar char="•"/>
+            </a:pPr>
+            <a:endParaRPr lang="de-DE" sz="1800" dirty="0"/>
+          </a:p>
+          <a:p>
+            <a:pPr marL="285750" indent="-285750">
+              <a:buFont typeface="Arial" panose="020B0604020202020204" pitchFamily="34" charset="0"/>
+              <a:buChar char="•"/>
+            </a:pPr>
+            <a:r>
+              <a:rPr lang="de-DE" sz="1800" dirty="0"/>
+              <a:t>Definition vier primitiver GIT-Datentypen</a:t>
+            </a:r>
+          </a:p>
+        </p:txBody>
+      </p:sp>
+    </p:spTree>
+    <p:extLst>
+      <p:ext uri="{BB962C8B-B14F-4D97-AF65-F5344CB8AC3E}">
+        <p14:creationId xmlns:p14="http://schemas.microsoft.com/office/powerpoint/2010/main" val="1110979434"/>
+      </p:ext>
+    </p:extLst>
+  </p:cSld>
+  <p:clrMapOvr>
+    <a:masterClrMapping/>
+  </p:clrMapOvr>
+  <mc:AlternateContent xmlns:mc="http://schemas.openxmlformats.org/markup-compatibility/2006" xmlns:p14="http://schemas.microsoft.com/office/powerpoint/2010/main">
+    <mc:Choice Requires="p14">
+      <p:transition spd="med" p14:dur="700" advTm="1000">
+        <p:fade/>
+      </p:transition>
+    </mc:Choice>
+    <mc:Fallback xmlns="">
+      <p:transition spd="med" advTm="1000">
+        <p:fade/>
+      </p:transition>
+    </mc:Fallback>
+  </mc:AlternateContent>
+  <p:timing>
+    <p:tnLst>
+      <p:par>
+        <p:cTn id="1" dur="indefinite" restart="never" nodeType="tmRoot">
+          <p:childTnLst>
+            <p:seq concurrent="1" nextAc="seek">
+              <p:cTn id="2" dur="indefinite" nodeType="mainSeq">
+                <p:childTnLst>
+                  <p:par>
+                    <p:cTn id="3" fill="hold">
+                      <p:stCondLst>
+                        <p:cond delay="indefinite"/>
+                        <p:cond evt="onBegin" delay="0">
+                          <p:tn val="2"/>
+                        </p:cond>
+                      </p:stCondLst>
+                      <p:childTnLst>
+                        <p:par>
+                          <p:cTn id="4" fill="hold">
+                            <p:stCondLst>
+                              <p:cond delay="0"/>
+                            </p:stCondLst>
+                            <p:childTnLst>
+                              <p:par>
+                                <p:cTn id="5" presetID="22" presetClass="entr" presetSubtype="1" fill="hold" nodeType="withEffect">
+                                  <p:stCondLst>
+                                    <p:cond delay="0"/>
+                                  </p:stCondLst>
+                                  <p:childTnLst>
+                                    <p:set>
+                                      <p:cBhvr>
+                                        <p:cTn id="6" dur="1" fill="hold">
+                                          <p:stCondLst>
+                                            <p:cond delay="0"/>
+                                          </p:stCondLst>
+                                        </p:cTn>
+                                        <p:tgtEl>
+                                          <p:spTgt spid="10"/>
+                                        </p:tgtEl>
+                                        <p:attrNameLst>
+                                          <p:attrName>style.visibility</p:attrName>
+                                        </p:attrNameLst>
+                                      </p:cBhvr>
+                                      <p:to>
+                                        <p:strVal val="visible"/>
+                                      </p:to>
+                                    </p:set>
+                                    <p:animEffect transition="in" filter="wipe(up)">
+                                      <p:cBhvr>
+                                        <p:cTn id="7" dur="1000"/>
+                                        <p:tgtEl>
+                                          <p:spTgt spid="10"/>
+                                        </p:tgtEl>
+                                      </p:cBhvr>
+                                    </p:animEffect>
+                                  </p:childTnLst>
+                                </p:cTn>
+                              </p:par>
+                              <p:par>
+                                <p:cTn id="8" presetID="22" presetClass="entr" presetSubtype="1" fill="hold" grpId="0" nodeType="withEffect">
+                                  <p:stCondLst>
+                                    <p:cond delay="600"/>
+                                  </p:stCondLst>
+                                  <p:childTnLst>
+                                    <p:set>
+                                      <p:cBhvr>
+                                        <p:cTn id="9" dur="1" fill="hold">
+                                          <p:stCondLst>
+                                            <p:cond delay="0"/>
+                                          </p:stCondLst>
+                                        </p:cTn>
+                                        <p:tgtEl>
+                                          <p:spTgt spid="12"/>
+                                        </p:tgtEl>
+                                        <p:attrNameLst>
+                                          <p:attrName>style.visibility</p:attrName>
+                                        </p:attrNameLst>
+                                      </p:cBhvr>
+                                      <p:to>
+                                        <p:strVal val="visible"/>
+                                      </p:to>
+                                    </p:set>
+                                    <p:animEffect transition="in" filter="wipe(up)">
+                                      <p:cBhvr>
+                                        <p:cTn id="10" dur="500"/>
+                                        <p:tgtEl>
+                                          <p:spTgt spid="12"/>
+                                        </p:tgtEl>
+                                      </p:cBhvr>
+                                    </p:animEffect>
+                                  </p:childTnLst>
+                                </p:cTn>
+                              </p:par>
+                            </p:childTnLst>
+                          </p:cTn>
+                        </p:par>
+                      </p:childTnLst>
+                    </p:cTn>
+                  </p:par>
+                </p:childTnLst>
+              </p:cTn>
+              <p:prevCondLst>
+                <p:cond evt="onPrev" delay="0">
+                  <p:tgtEl>
+                    <p:sldTgt/>
+                  </p:tgtEl>
+                </p:cond>
+              </p:prevCondLst>
+              <p:nextCondLst>
+                <p:cond evt="onNext" delay="0">
+                  <p:tgtEl>
+                    <p:sldTgt/>
+                  </p:tgtEl>
+                </p:cond>
+              </p:nextCondLst>
+            </p:seq>
+          </p:childTnLst>
+        </p:cTn>
+      </p:par>
+    </p:tnLst>
+    <p:bldLst>
+      <p:bldP spid="12" grpId="0" animBg="1"/>
+    </p:bldLst>
+  </p:timing>
+</p:sld>
+</file>
+
+<file path=ppt/slides/slide16.xml><?xml version="1.0" encoding="utf-8"?>
+<p:sld xmlns:a="http://schemas.openxmlformats.org/drawingml/2006/main" xmlns:r="http://schemas.openxmlformats.org/officeDocument/2006/relationships" xmlns:p="http://schemas.openxmlformats.org/presentationml/2006/main">
+  <p:cSld>
+    <p:spTree>
+      <p:nvGrpSpPr>
+        <p:cNvPr id="1" name=""/>
+        <p:cNvGrpSpPr/>
+        <p:nvPr/>
+      </p:nvGrpSpPr>
+      <p:grpSpPr>
+        <a:xfrm>
+          <a:off x="0" y="0"/>
+          <a:ext cx="0" cy="0"/>
+          <a:chOff x="0" y="0"/>
+          <a:chExt cx="0" cy="0"/>
+        </a:xfrm>
+      </p:grpSpPr>
+      <p:sp>
+        <p:nvSpPr>
+          <p:cNvPr id="2" name="Titel 1">
+            <a:extLst>
+              <a:ext uri="{FF2B5EF4-FFF2-40B4-BE49-F238E27FC236}">
+                <a16:creationId xmlns:a16="http://schemas.microsoft.com/office/drawing/2014/main" id="{8202B4F8-E830-421B-A208-67A106E24504}"/>
+              </a:ext>
+            </a:extLst>
+          </p:cNvPr>
+          <p:cNvSpPr>
+            <a:spLocks noGrp="1"/>
+          </p:cNvSpPr>
+          <p:nvPr>
+            <p:ph type="title"/>
+          </p:nvPr>
+        </p:nvSpPr>
+        <p:spPr/>
+        <p:txBody>
+          <a:bodyPr/>
+          <a:lstStyle/>
+          <a:p>
+            <a:r>
+              <a:rPr lang="de-DE" dirty="0"/>
+              <a:t>Systembewertung</a:t>
+            </a:r>
+          </a:p>
+        </p:txBody>
+      </p:sp>
+      <p:cxnSp>
+        <p:nvCxnSpPr>
+          <p:cNvPr id="4" name="Gerader Verbinder 3">
+            <a:extLst>
+              <a:ext uri="{FF2B5EF4-FFF2-40B4-BE49-F238E27FC236}">
+                <a16:creationId xmlns:a16="http://schemas.microsoft.com/office/drawing/2014/main" id="{9531D4BE-FDB8-49C9-A1CE-DD37DE7586C2}"/>
+              </a:ext>
+            </a:extLst>
+          </p:cNvPr>
+          <p:cNvCxnSpPr>
+            <a:cxnSpLocks/>
+            <a:stCxn id="5" idx="0"/>
+            <a:endCxn id="8" idx="0"/>
+          </p:cNvCxnSpPr>
+          <p:nvPr/>
+        </p:nvCxnSpPr>
+        <p:spPr>
+          <a:xfrm>
+            <a:off x="290355" y="1216751"/>
+            <a:ext cx="0" cy="3607620"/>
+          </a:xfrm>
+          <a:prstGeom prst="line">
+            <a:avLst/>
+          </a:prstGeom>
+          <a:ln w="28575">
+            <a:solidFill>
+              <a:schemeClr val="accent2"/>
+            </a:solidFill>
+          </a:ln>
+        </p:spPr>
+        <p:style>
+          <a:lnRef idx="1">
+            <a:schemeClr val="accent1"/>
+          </a:lnRef>
+          <a:fillRef idx="0">
+            <a:schemeClr val="accent1"/>
+          </a:fillRef>
+          <a:effectRef idx="0">
+            <a:schemeClr val="accent1"/>
+          </a:effectRef>
+          <a:fontRef idx="minor">
+            <a:schemeClr val="tx1"/>
+          </a:fontRef>
+        </p:style>
+      </p:cxnSp>
+      <p:sp>
+        <p:nvSpPr>
+          <p:cNvPr id="5" name="Oval 4">
+            <a:extLst>
+              <a:ext uri="{FF2B5EF4-FFF2-40B4-BE49-F238E27FC236}">
+                <a16:creationId xmlns:a16="http://schemas.microsoft.com/office/drawing/2014/main" id="{EC007E9C-03BA-415D-BBF1-DF88AD14926C}"/>
+              </a:ext>
+            </a:extLst>
+          </p:cNvPr>
+          <p:cNvSpPr/>
+          <p:nvPr/>
+        </p:nvSpPr>
+        <p:spPr>
+          <a:xfrm>
+            <a:off x="200355" y="1216751"/>
+            <a:ext cx="180000" cy="180000"/>
+          </a:xfrm>
+          <a:prstGeom prst="ellipse">
+            <a:avLst/>
+          </a:prstGeom>
+          <a:solidFill>
+            <a:srgbClr val="C00000"/>
+          </a:solidFill>
+          <a:ln>
+            <a:noFill/>
+          </a:ln>
+        </p:spPr>
+        <p:style>
+          <a:lnRef idx="2">
+            <a:schemeClr val="accent1">
+              <a:shade val="50000"/>
+            </a:schemeClr>
+          </a:lnRef>
+          <a:fillRef idx="1">
+            <a:schemeClr val="accent1"/>
+          </a:fillRef>
+          <a:effectRef idx="0">
+            <a:schemeClr val="accent1"/>
+          </a:effectRef>
+          <a:fontRef idx="minor">
+            <a:schemeClr val="lt1"/>
+          </a:fontRef>
+        </p:style>
+        <p:txBody>
+          <a:bodyPr rtlCol="0" anchor="ctr"/>
+          <a:lstStyle/>
+          <a:p>
+            <a:pPr marL="0" marR="0" lvl="0" indent="0" algn="ctr" defTabSz="914400" rtl="0" eaLnBrk="1" fontAlgn="base" latinLnBrk="0" hangingPunct="1">
+              <a:lnSpc>
+                <a:spcPct val="100000"/>
+              </a:lnSpc>
+              <a:spcBef>
+                <a:spcPct val="0"/>
+              </a:spcBef>
+              <a:spcAft>
+                <a:spcPct val="0"/>
+              </a:spcAft>
+              <a:buClrTx/>
+              <a:buSzTx/>
+              <a:buFontTx/>
+              <a:buNone/>
+              <a:tabLst/>
+              <a:defRPr/>
+            </a:pPr>
+            <a:endParaRPr kumimoji="0" lang="de-DE" sz="1800" b="0" i="0" u="none" strike="noStrike" kern="1200" cap="none" spc="0" normalizeH="0" baseline="0" noProof="0">
+              <a:ln>
+                <a:noFill/>
+              </a:ln>
+              <a:solidFill>
+                <a:srgbClr val="FFFFFF"/>
+              </a:solidFill>
+              <a:effectLst/>
+              <a:uLnTx/>
+              <a:uFillTx/>
+              <a:latin typeface="Arial"/>
+              <a:ea typeface="+mn-ea"/>
+              <a:cs typeface="+mn-cs"/>
+            </a:endParaRPr>
+          </a:p>
+        </p:txBody>
+      </p:sp>
+      <p:sp>
+        <p:nvSpPr>
+          <p:cNvPr id="6" name="Oval 4">
+            <a:extLst>
+              <a:ext uri="{FF2B5EF4-FFF2-40B4-BE49-F238E27FC236}">
+                <a16:creationId xmlns:a16="http://schemas.microsoft.com/office/drawing/2014/main" id="{C74C4E79-C16A-43E0-B8F4-084D4093A45E}"/>
+              </a:ext>
+            </a:extLst>
+          </p:cNvPr>
+          <p:cNvSpPr/>
+          <p:nvPr/>
+        </p:nvSpPr>
+        <p:spPr>
+          <a:xfrm>
+            <a:off x="200355" y="3024371"/>
+            <a:ext cx="180000" cy="180000"/>
+          </a:xfrm>
+          <a:prstGeom prst="ellipse">
+            <a:avLst/>
+          </a:prstGeom>
+          <a:solidFill>
+            <a:schemeClr val="bg2"/>
+          </a:solidFill>
+          <a:ln>
+            <a:noFill/>
+          </a:ln>
+        </p:spPr>
+        <p:style>
+          <a:lnRef idx="2">
+            <a:schemeClr val="accent1">
+              <a:shade val="50000"/>
+            </a:schemeClr>
+          </a:lnRef>
+          <a:fillRef idx="1">
+            <a:schemeClr val="accent1"/>
+          </a:fillRef>
+          <a:effectRef idx="0">
+            <a:schemeClr val="accent1"/>
+          </a:effectRef>
+          <a:fontRef idx="minor">
+            <a:schemeClr val="lt1"/>
+          </a:fontRef>
+        </p:style>
+        <p:txBody>
+          <a:bodyPr rtlCol="0" anchor="ctr"/>
+          <a:lstStyle/>
+          <a:p>
+            <a:pPr marL="0" marR="0" lvl="0" indent="0" algn="ctr" defTabSz="914400" rtl="0" eaLnBrk="1" fontAlgn="base" latinLnBrk="0" hangingPunct="1">
+              <a:lnSpc>
+                <a:spcPct val="100000"/>
+              </a:lnSpc>
+              <a:spcBef>
+                <a:spcPct val="0"/>
+              </a:spcBef>
+              <a:spcAft>
+                <a:spcPct val="0"/>
+              </a:spcAft>
+              <a:buClrTx/>
+              <a:buSzTx/>
+              <a:buFontTx/>
+              <a:buNone/>
+              <a:tabLst/>
+              <a:defRPr/>
+            </a:pPr>
+            <a:endParaRPr kumimoji="0" lang="de-DE" sz="1800" b="0" i="0" u="none" strike="noStrike" kern="1200" cap="none" spc="0" normalizeH="0" baseline="0" noProof="0">
+              <a:ln>
+                <a:noFill/>
+              </a:ln>
+              <a:solidFill>
+                <a:srgbClr val="FFFFFF"/>
+              </a:solidFill>
+              <a:effectLst/>
+              <a:uLnTx/>
+              <a:uFillTx/>
+              <a:latin typeface="Arial"/>
+              <a:ea typeface="+mn-ea"/>
+              <a:cs typeface="+mn-cs"/>
+            </a:endParaRPr>
+          </a:p>
+        </p:txBody>
+      </p:sp>
+      <p:sp>
+        <p:nvSpPr>
+          <p:cNvPr id="7" name="Oval 4">
+            <a:extLst>
+              <a:ext uri="{FF2B5EF4-FFF2-40B4-BE49-F238E27FC236}">
+                <a16:creationId xmlns:a16="http://schemas.microsoft.com/office/drawing/2014/main" id="{E54CCA89-6CD1-4E94-A4CF-3D433DD09714}"/>
+              </a:ext>
+            </a:extLst>
+          </p:cNvPr>
+          <p:cNvSpPr/>
+          <p:nvPr/>
+        </p:nvSpPr>
+        <p:spPr>
+          <a:xfrm>
+            <a:off x="200355" y="3924371"/>
+            <a:ext cx="180000" cy="180000"/>
+          </a:xfrm>
+          <a:prstGeom prst="ellipse">
+            <a:avLst/>
+          </a:prstGeom>
+          <a:solidFill>
+            <a:schemeClr val="bg2"/>
+          </a:solidFill>
+          <a:ln>
+            <a:noFill/>
+          </a:ln>
+        </p:spPr>
+        <p:style>
+          <a:lnRef idx="2">
+            <a:schemeClr val="accent1">
+              <a:shade val="50000"/>
+            </a:schemeClr>
+          </a:lnRef>
+          <a:fillRef idx="1">
+            <a:schemeClr val="accent1"/>
+          </a:fillRef>
+          <a:effectRef idx="0">
+            <a:schemeClr val="accent1"/>
+          </a:effectRef>
+          <a:fontRef idx="minor">
+            <a:schemeClr val="lt1"/>
+          </a:fontRef>
+        </p:style>
+        <p:txBody>
+          <a:bodyPr rtlCol="0" anchor="ctr"/>
+          <a:lstStyle/>
+          <a:p>
+            <a:pPr marL="0" marR="0" lvl="0" indent="0" algn="ctr" defTabSz="914400" rtl="0" eaLnBrk="1" fontAlgn="base" latinLnBrk="0" hangingPunct="1">
+              <a:lnSpc>
+                <a:spcPct val="100000"/>
+              </a:lnSpc>
+              <a:spcBef>
+                <a:spcPct val="0"/>
+              </a:spcBef>
+              <a:spcAft>
+                <a:spcPct val="0"/>
+              </a:spcAft>
+              <a:buClrTx/>
+              <a:buSzTx/>
+              <a:buFontTx/>
+              <a:buNone/>
+              <a:tabLst/>
+              <a:defRPr/>
+            </a:pPr>
+            <a:endParaRPr kumimoji="0" lang="de-DE" sz="1800" b="0" i="0" u="none" strike="noStrike" kern="1200" cap="none" spc="0" normalizeH="0" baseline="0" noProof="0">
+              <a:ln>
+                <a:noFill/>
+              </a:ln>
+              <a:solidFill>
+                <a:srgbClr val="FFFFFF"/>
+              </a:solidFill>
+              <a:effectLst/>
+              <a:uLnTx/>
+              <a:uFillTx/>
+              <a:latin typeface="Arial"/>
+              <a:ea typeface="+mn-ea"/>
+              <a:cs typeface="+mn-cs"/>
+            </a:endParaRPr>
+          </a:p>
+        </p:txBody>
+      </p:sp>
+      <p:sp>
+        <p:nvSpPr>
+          <p:cNvPr id="8" name="Oval 4">
+            <a:extLst>
+              <a:ext uri="{FF2B5EF4-FFF2-40B4-BE49-F238E27FC236}">
+                <a16:creationId xmlns:a16="http://schemas.microsoft.com/office/drawing/2014/main" id="{578DBC75-9F51-4671-BFE3-0106162E634B}"/>
+              </a:ext>
+            </a:extLst>
+          </p:cNvPr>
+          <p:cNvSpPr/>
+          <p:nvPr/>
+        </p:nvSpPr>
+        <p:spPr>
+          <a:xfrm>
+            <a:off x="200355" y="4824371"/>
+            <a:ext cx="180000" cy="180000"/>
+          </a:xfrm>
+          <a:prstGeom prst="ellipse">
+            <a:avLst/>
+          </a:prstGeom>
+          <a:solidFill>
+            <a:schemeClr val="accent2"/>
+          </a:solidFill>
+          <a:ln>
+            <a:noFill/>
+          </a:ln>
+        </p:spPr>
+        <p:style>
+          <a:lnRef idx="2">
+            <a:schemeClr val="accent1">
+              <a:shade val="50000"/>
+            </a:schemeClr>
+          </a:lnRef>
+          <a:fillRef idx="1">
+            <a:schemeClr val="accent1"/>
+          </a:fillRef>
+          <a:effectRef idx="0">
+            <a:schemeClr val="accent1"/>
+          </a:effectRef>
+          <a:fontRef idx="minor">
+            <a:schemeClr val="lt1"/>
+          </a:fontRef>
+        </p:style>
+        <p:txBody>
+          <a:bodyPr rtlCol="0" anchor="ctr"/>
+          <a:lstStyle/>
+          <a:p>
+            <a:pPr marL="0" marR="0" lvl="0" indent="0" algn="ctr" defTabSz="914400" rtl="0" eaLnBrk="1" fontAlgn="base" latinLnBrk="0" hangingPunct="1">
+              <a:lnSpc>
+                <a:spcPct val="100000"/>
+              </a:lnSpc>
+              <a:spcBef>
+                <a:spcPct val="0"/>
+              </a:spcBef>
+              <a:spcAft>
+                <a:spcPct val="0"/>
+              </a:spcAft>
+              <a:buClrTx/>
+              <a:buSzTx/>
+              <a:buFontTx/>
+              <a:buNone/>
+              <a:tabLst/>
+              <a:defRPr/>
+            </a:pPr>
+            <a:endParaRPr kumimoji="0" lang="de-DE" sz="1800" b="0" i="0" u="none" strike="noStrike" kern="1200" cap="none" spc="0" normalizeH="0" baseline="0" noProof="0">
+              <a:ln>
+                <a:noFill/>
+              </a:ln>
+              <a:solidFill>
+                <a:srgbClr val="FFFFFF"/>
+              </a:solidFill>
+              <a:effectLst/>
+              <a:uLnTx/>
+              <a:uFillTx/>
+              <a:latin typeface="Arial"/>
+              <a:ea typeface="+mn-ea"/>
+              <a:cs typeface="+mn-cs"/>
+            </a:endParaRPr>
+          </a:p>
+        </p:txBody>
+      </p:sp>
+      <p:cxnSp>
+        <p:nvCxnSpPr>
+          <p:cNvPr id="9" name="Gerader Verbinder 8">
+            <a:extLst>
+              <a:ext uri="{FF2B5EF4-FFF2-40B4-BE49-F238E27FC236}">
+                <a16:creationId xmlns:a16="http://schemas.microsoft.com/office/drawing/2014/main" id="{B161D20D-F1BA-4CEF-B444-99C0BC85A45F}"/>
+              </a:ext>
+            </a:extLst>
+          </p:cNvPr>
+          <p:cNvCxnSpPr>
+            <a:cxnSpLocks/>
+            <a:stCxn id="5" idx="0"/>
+          </p:cNvCxnSpPr>
+          <p:nvPr/>
+        </p:nvCxnSpPr>
+        <p:spPr>
+          <a:xfrm>
+            <a:off x="290355" y="1216751"/>
+            <a:ext cx="0" cy="3275620"/>
+          </a:xfrm>
+          <a:prstGeom prst="line">
+            <a:avLst/>
+          </a:prstGeom>
+          <a:ln w="28575">
+            <a:solidFill>
+              <a:srgbClr val="C00000"/>
+            </a:solidFill>
+          </a:ln>
+        </p:spPr>
+        <p:style>
+          <a:lnRef idx="1">
+            <a:schemeClr val="accent1"/>
+          </a:lnRef>
+          <a:fillRef idx="0">
+            <a:schemeClr val="accent1"/>
+          </a:fillRef>
+          <a:effectRef idx="0">
+            <a:schemeClr val="accent1"/>
+          </a:effectRef>
+          <a:fontRef idx="minor">
+            <a:schemeClr val="tx1"/>
+          </a:fontRef>
+        </p:style>
+      </p:cxnSp>
+      <p:cxnSp>
+        <p:nvCxnSpPr>
+          <p:cNvPr id="10" name="Gerader Verbinder 10">
+            <a:extLst>
+              <a:ext uri="{FF2B5EF4-FFF2-40B4-BE49-F238E27FC236}">
+                <a16:creationId xmlns:a16="http://schemas.microsoft.com/office/drawing/2014/main" id="{73936D90-9DAA-443D-963B-AAD501A4454A}"/>
+              </a:ext>
+            </a:extLst>
+          </p:cNvPr>
+          <p:cNvCxnSpPr>
+            <a:cxnSpLocks/>
+          </p:cNvCxnSpPr>
+          <p:nvPr/>
+        </p:nvCxnSpPr>
+        <p:spPr>
+          <a:xfrm>
+            <a:off x="290355" y="4035257"/>
+            <a:ext cx="0" cy="914228"/>
+          </a:xfrm>
+          <a:prstGeom prst="line">
+            <a:avLst/>
+          </a:prstGeom>
+          <a:ln w="28575">
+            <a:solidFill>
+              <a:srgbClr val="C00000"/>
+            </a:solidFill>
+          </a:ln>
+        </p:spPr>
+        <p:style>
+          <a:lnRef idx="1">
+            <a:schemeClr val="accent1"/>
+          </a:lnRef>
+          <a:fillRef idx="0">
+            <a:schemeClr val="accent1"/>
+          </a:fillRef>
+          <a:effectRef idx="0">
+            <a:schemeClr val="accent1"/>
+          </a:effectRef>
+          <a:fontRef idx="minor">
+            <a:schemeClr val="tx1"/>
+          </a:fontRef>
+        </p:style>
+      </p:cxnSp>
+      <p:sp>
+        <p:nvSpPr>
+          <p:cNvPr id="11" name="Oval 4">
+            <a:extLst>
+              <a:ext uri="{FF2B5EF4-FFF2-40B4-BE49-F238E27FC236}">
+                <a16:creationId xmlns:a16="http://schemas.microsoft.com/office/drawing/2014/main" id="{A817C965-5888-4492-AED7-4BEF29D0FC2B}"/>
+              </a:ext>
+            </a:extLst>
+          </p:cNvPr>
+          <p:cNvSpPr/>
+          <p:nvPr/>
+        </p:nvSpPr>
+        <p:spPr>
+          <a:xfrm>
+            <a:off x="200355" y="2124371"/>
+            <a:ext cx="180000" cy="180000"/>
+          </a:xfrm>
+          <a:prstGeom prst="ellipse">
+            <a:avLst/>
+          </a:prstGeom>
+          <a:solidFill>
+            <a:schemeClr val="bg2"/>
+          </a:solidFill>
+          <a:ln>
+            <a:noFill/>
+          </a:ln>
+        </p:spPr>
+        <p:style>
+          <a:lnRef idx="2">
+            <a:schemeClr val="accent1">
+              <a:shade val="50000"/>
+            </a:schemeClr>
+          </a:lnRef>
+          <a:fillRef idx="1">
+            <a:schemeClr val="accent1"/>
+          </a:fillRef>
+          <a:effectRef idx="0">
+            <a:schemeClr val="accent1"/>
+          </a:effectRef>
+          <a:fontRef idx="minor">
+            <a:schemeClr val="lt1"/>
+          </a:fontRef>
+        </p:style>
+        <p:txBody>
+          <a:bodyPr rtlCol="0" anchor="ctr"/>
+          <a:lstStyle/>
+          <a:p>
+            <a:pPr marL="0" marR="0" lvl="0" indent="0" algn="ctr" defTabSz="914400" rtl="0" eaLnBrk="1" fontAlgn="base" latinLnBrk="0" hangingPunct="1">
+              <a:lnSpc>
+                <a:spcPct val="100000"/>
+              </a:lnSpc>
+              <a:spcBef>
+                <a:spcPct val="0"/>
+              </a:spcBef>
+              <a:spcAft>
+                <a:spcPct val="0"/>
+              </a:spcAft>
+              <a:buClrTx/>
+              <a:buSzTx/>
+              <a:buFontTx/>
+              <a:buNone/>
+              <a:tabLst/>
+              <a:defRPr/>
+            </a:pPr>
+            <a:endParaRPr kumimoji="0" lang="de-DE" sz="1800" b="0" i="0" u="none" strike="noStrike" kern="1200" cap="none" spc="0" normalizeH="0" baseline="0" noProof="0">
+              <a:ln>
+                <a:noFill/>
+              </a:ln>
+              <a:solidFill>
+                <a:srgbClr val="FFFFFF"/>
+              </a:solidFill>
+              <a:effectLst/>
+              <a:uLnTx/>
+              <a:uFillTx/>
+              <a:latin typeface="Arial"/>
+              <a:ea typeface="+mn-ea"/>
+              <a:cs typeface="+mn-cs"/>
+            </a:endParaRPr>
+          </a:p>
+        </p:txBody>
+      </p:sp>
+      <p:sp>
+        <p:nvSpPr>
+          <p:cNvPr id="12" name="Oval 4">
+            <a:extLst>
+              <a:ext uri="{FF2B5EF4-FFF2-40B4-BE49-F238E27FC236}">
+                <a16:creationId xmlns:a16="http://schemas.microsoft.com/office/drawing/2014/main" id="{D7B4EACC-67A1-4B28-AC6F-D4F3EBDF23FC}"/>
+              </a:ext>
+            </a:extLst>
+          </p:cNvPr>
+          <p:cNvSpPr/>
+          <p:nvPr/>
+        </p:nvSpPr>
+        <p:spPr>
+          <a:xfrm>
+            <a:off x="200355" y="4824371"/>
+            <a:ext cx="180000" cy="180000"/>
+          </a:xfrm>
+          <a:prstGeom prst="ellipse">
+            <a:avLst/>
+          </a:prstGeom>
+          <a:solidFill>
+            <a:schemeClr val="bg2"/>
+          </a:solidFill>
+          <a:ln>
+            <a:noFill/>
+          </a:ln>
+        </p:spPr>
+        <p:style>
+          <a:lnRef idx="2">
+            <a:schemeClr val="accent1">
+              <a:shade val="50000"/>
+            </a:schemeClr>
+          </a:lnRef>
+          <a:fillRef idx="1">
+            <a:schemeClr val="accent1"/>
+          </a:fillRef>
+          <a:effectRef idx="0">
+            <a:schemeClr val="accent1"/>
+          </a:effectRef>
+          <a:fontRef idx="minor">
+            <a:schemeClr val="lt1"/>
+          </a:fontRef>
+        </p:style>
+        <p:txBody>
+          <a:bodyPr rtlCol="0" anchor="ctr"/>
+          <a:lstStyle/>
+          <a:p>
+            <a:pPr marL="0" marR="0" lvl="0" indent="0" algn="ctr" defTabSz="914400" rtl="0" eaLnBrk="1" fontAlgn="base" latinLnBrk="0" hangingPunct="1">
+              <a:lnSpc>
+                <a:spcPct val="100000"/>
+              </a:lnSpc>
+              <a:spcBef>
+                <a:spcPct val="0"/>
+              </a:spcBef>
+              <a:spcAft>
+                <a:spcPct val="0"/>
+              </a:spcAft>
+              <a:buClrTx/>
+              <a:buSzTx/>
+              <a:buFontTx/>
+              <a:buNone/>
+              <a:tabLst/>
+              <a:defRPr/>
+            </a:pPr>
+            <a:endParaRPr kumimoji="0" lang="de-DE" sz="1800" b="0" i="0" u="none" strike="noStrike" kern="1200" cap="none" spc="0" normalizeH="0" baseline="0" noProof="0">
+              <a:ln>
+                <a:noFill/>
+              </a:ln>
+              <a:solidFill>
+                <a:srgbClr val="FFFFFF"/>
+              </a:solidFill>
+              <a:effectLst/>
+              <a:uLnTx/>
+              <a:uFillTx/>
+              <a:latin typeface="Arial"/>
+              <a:ea typeface="+mn-ea"/>
+              <a:cs typeface="+mn-cs"/>
+            </a:endParaRPr>
+          </a:p>
+        </p:txBody>
+      </p:sp>
+      <p:sp>
+        <p:nvSpPr>
+          <p:cNvPr id="13" name="Inhaltsplatzhalter 2">
+            <a:extLst>
+              <a:ext uri="{FF2B5EF4-FFF2-40B4-BE49-F238E27FC236}">
+                <a16:creationId xmlns:a16="http://schemas.microsoft.com/office/drawing/2014/main" id="{EED655D8-2D74-9542-95C8-660AF1D7409E}"/>
+              </a:ext>
+            </a:extLst>
+          </p:cNvPr>
+          <p:cNvSpPr txBox="1">
+            <a:spLocks/>
+          </p:cNvSpPr>
+          <p:nvPr/>
+        </p:nvSpPr>
+        <p:spPr bwMode="auto">
+          <a:xfrm>
+            <a:off x="706838" y="1198167"/>
+            <a:ext cx="10159690" cy="4772025"/>
+          </a:xfrm>
+          <a:prstGeom prst="rect">
+            <a:avLst/>
+          </a:prstGeom>
+          <a:noFill/>
+          <a:ln>
+            <a:noFill/>
+          </a:ln>
+          <a:effectLst/>
+          <a:extLst>
+            <a:ext uri="{909E8E84-426E-40DD-AFC4-6F175D3DCCD1}">
+              <a14:hiddenFill xmlns:a14="http://schemas.microsoft.com/office/drawing/2010/main">
+                <a:solidFill>
+                  <a:schemeClr val="accent1"/>
+                </a:solidFill>
+              </a14:hiddenFill>
+            </a:ext>
+            <a:ext uri="{91240B29-F687-4F45-9708-019B960494DF}">
+              <a14:hiddenLine xmlns:a14="http://schemas.microsoft.com/office/drawing/2010/main" w="9525">
+                <a:solidFill>
+                  <a:schemeClr val="tx1"/>
+                </a:solidFill>
+                <a:miter lim="800000"/>
+                <a:headEnd/>
+                <a:tailEnd/>
+              </a14:hiddenLine>
+            </a:ext>
+            <a:ext uri="{AF507438-7753-43E0-B8FC-AC1667EBCBE1}">
+              <a14:hiddenEffects xmlns:a14="http://schemas.microsoft.com/office/drawing/2010/main">
+                <a:effectLst>
+                  <a:outerShdw dist="35921" dir="2700000" algn="ctr" rotWithShape="0">
+                    <a:schemeClr val="bg2"/>
+                  </a:outerShdw>
+                </a:effectLst>
+              </a14:hiddenEffects>
+            </a:ext>
+          </a:extLst>
+        </p:spPr>
+        <p:txBody>
+          <a:bodyPr vert="horz" wrap="square" lIns="0" tIns="0" rIns="0" bIns="0" numCol="1" anchor="t" anchorCtr="0" compatLnSpc="1">
+            <a:prstTxWarp prst="textNoShape">
+              <a:avLst/>
+            </a:prstTxWarp>
+          </a:bodyPr>
+          <a:lstStyle>
+            <a:lvl1pPr algn="l" rtl="0" eaLnBrk="0" fontAlgn="base" hangingPunct="0">
+              <a:spcBef>
+                <a:spcPct val="20000"/>
+              </a:spcBef>
+              <a:spcAft>
+                <a:spcPct val="0"/>
+              </a:spcAft>
+              <a:defRPr sz="1600">
+                <a:solidFill>
+                  <a:schemeClr val="tx1"/>
+                </a:solidFill>
+                <a:latin typeface="+mn-lt"/>
+                <a:ea typeface="+mn-ea"/>
+                <a:cs typeface="+mn-cs"/>
+              </a:defRPr>
+            </a:lvl1pPr>
+            <a:lvl2pPr marL="190500" indent="-188913" algn="l" rtl="0" eaLnBrk="0" fontAlgn="base" hangingPunct="0">
+              <a:spcBef>
+                <a:spcPct val="20000"/>
+              </a:spcBef>
+              <a:spcAft>
+                <a:spcPct val="0"/>
+              </a:spcAft>
+              <a:buClr>
+                <a:schemeClr val="tx1"/>
+              </a:buClr>
+              <a:buFont typeface="Wingdings" panose="05000000000000000000" pitchFamily="2" charset="2"/>
+              <a:buChar char="§"/>
+              <a:defRPr sz="1600">
+                <a:solidFill>
+                  <a:schemeClr val="tx1"/>
+                </a:solidFill>
+                <a:latin typeface="+mn-lt"/>
+              </a:defRPr>
+            </a:lvl2pPr>
+            <a:lvl3pPr marL="361950" indent="-169863" algn="l" rtl="0" eaLnBrk="0" fontAlgn="base" hangingPunct="0">
+              <a:spcBef>
+                <a:spcPct val="20000"/>
+              </a:spcBef>
+              <a:spcAft>
+                <a:spcPct val="0"/>
+              </a:spcAft>
+              <a:buFont typeface="Wingdings" panose="05000000000000000000" pitchFamily="2" charset="2"/>
+              <a:buChar char="§"/>
+              <a:defRPr sz="1600">
+                <a:solidFill>
+                  <a:schemeClr val="tx1"/>
+                </a:solidFill>
+                <a:latin typeface="+mn-lt"/>
+              </a:defRPr>
+            </a:lvl3pPr>
+            <a:lvl4pPr marL="542925" indent="-179388" algn="l" rtl="0" eaLnBrk="0" fontAlgn="base" hangingPunct="0">
+              <a:spcBef>
+                <a:spcPct val="20000"/>
+              </a:spcBef>
+              <a:spcAft>
+                <a:spcPct val="0"/>
+              </a:spcAft>
+              <a:buClr>
+                <a:schemeClr val="tx1"/>
+              </a:buClr>
+              <a:buFont typeface="Wingdings" panose="05000000000000000000" pitchFamily="2" charset="2"/>
+              <a:buChar char="§"/>
+              <a:defRPr sz="1600">
+                <a:solidFill>
+                  <a:schemeClr val="tx1"/>
+                </a:solidFill>
+                <a:latin typeface="+mn-lt"/>
+              </a:defRPr>
+            </a:lvl4pPr>
+            <a:lvl5pPr marL="742950" indent="-198438" algn="l" rtl="0" eaLnBrk="0" fontAlgn="base" hangingPunct="0">
+              <a:spcBef>
+                <a:spcPct val="20000"/>
+              </a:spcBef>
+              <a:spcAft>
+                <a:spcPct val="0"/>
+              </a:spcAft>
+              <a:buFont typeface="Wingdings" panose="05000000000000000000" pitchFamily="2" charset="2"/>
+              <a:buChar char="§"/>
+              <a:defRPr sz="1600">
+                <a:solidFill>
+                  <a:schemeClr val="tx1"/>
+                </a:solidFill>
+                <a:latin typeface="+mn-lt"/>
+              </a:defRPr>
+            </a:lvl5pPr>
+            <a:lvl6pPr marL="1200150" indent="-198438" algn="l" rtl="0" fontAlgn="base">
+              <a:spcBef>
+                <a:spcPct val="20000"/>
+              </a:spcBef>
+              <a:spcAft>
+                <a:spcPct val="0"/>
+              </a:spcAft>
+              <a:buFont typeface="Wingdings" pitchFamily="2" charset="2"/>
+              <a:buChar char="§"/>
+              <a:defRPr sz="1600">
+                <a:solidFill>
+                  <a:schemeClr val="tx1"/>
+                </a:solidFill>
+                <a:latin typeface="+mn-lt"/>
+              </a:defRPr>
+            </a:lvl6pPr>
+            <a:lvl7pPr marL="1657350" indent="-198438" algn="l" rtl="0" fontAlgn="base">
+              <a:spcBef>
+                <a:spcPct val="20000"/>
+              </a:spcBef>
+              <a:spcAft>
+                <a:spcPct val="0"/>
+              </a:spcAft>
+              <a:buFont typeface="Wingdings" pitchFamily="2" charset="2"/>
+              <a:buChar char="§"/>
+              <a:defRPr sz="1600">
+                <a:solidFill>
+                  <a:schemeClr val="tx1"/>
+                </a:solidFill>
+                <a:latin typeface="+mn-lt"/>
+              </a:defRPr>
+            </a:lvl7pPr>
+            <a:lvl8pPr marL="2114550" indent="-198438" algn="l" rtl="0" fontAlgn="base">
+              <a:spcBef>
+                <a:spcPct val="20000"/>
+              </a:spcBef>
+              <a:spcAft>
+                <a:spcPct val="0"/>
+              </a:spcAft>
+              <a:buFont typeface="Wingdings" pitchFamily="2" charset="2"/>
+              <a:buChar char="§"/>
+              <a:defRPr sz="1600">
+                <a:solidFill>
+                  <a:schemeClr val="tx1"/>
+                </a:solidFill>
+                <a:latin typeface="+mn-lt"/>
+              </a:defRPr>
+            </a:lvl8pPr>
+            <a:lvl9pPr marL="2571750" indent="-198438" algn="l" rtl="0" fontAlgn="base">
+              <a:spcBef>
+                <a:spcPct val="20000"/>
+              </a:spcBef>
+              <a:spcAft>
+                <a:spcPct val="0"/>
+              </a:spcAft>
+              <a:buFont typeface="Wingdings" pitchFamily="2" charset="2"/>
+              <a:buChar char="§"/>
+              <a:defRPr sz="1600">
+                <a:solidFill>
+                  <a:schemeClr val="tx1"/>
+                </a:solidFill>
+                <a:latin typeface="+mn-lt"/>
+              </a:defRPr>
+            </a:lvl9pPr>
+          </a:lstStyle>
+          <a:p>
+            <a:r>
+              <a:rPr lang="de-DE" sz="1800" b="1" kern="0" dirty="0"/>
+              <a:t>Designmerkmale</a:t>
+            </a:r>
+          </a:p>
+          <a:p>
+            <a:endParaRPr lang="de-DE" sz="1800" kern="0" dirty="0"/>
+          </a:p>
+          <a:p>
+            <a:pPr marL="285750" indent="-285750">
+              <a:buFont typeface="Arial" panose="020B0604020202020204" pitchFamily="34" charset="0"/>
+              <a:buChar char="•"/>
+            </a:pPr>
+            <a:r>
+              <a:rPr lang="de-DE" sz="1800" dirty="0"/>
+              <a:t>Shell-Skripte als Basis</a:t>
+            </a:r>
+          </a:p>
+          <a:p>
+            <a:pPr marL="285750" indent="-285750">
+              <a:buFont typeface="Arial" panose="020B0604020202020204" pitchFamily="34" charset="0"/>
+              <a:buChar char="•"/>
+            </a:pPr>
+            <a:endParaRPr lang="de-DE" sz="1800" dirty="0"/>
+          </a:p>
+          <a:p>
+            <a:pPr marL="285750" indent="-285750">
+              <a:buFont typeface="Arial" panose="020B0604020202020204" pitchFamily="34" charset="0"/>
+              <a:buChar char="•"/>
+            </a:pPr>
+            <a:r>
+              <a:rPr lang="de-DE" sz="1800" dirty="0"/>
+              <a:t>Toolkit Design</a:t>
+            </a:r>
+          </a:p>
+          <a:p>
+            <a:pPr marL="285750" indent="-285750">
+              <a:buFont typeface="Arial" panose="020B0604020202020204" pitchFamily="34" charset="0"/>
+              <a:buChar char="•"/>
+            </a:pPr>
+            <a:endParaRPr lang="de-DE" sz="1800" dirty="0"/>
+          </a:p>
+          <a:p>
+            <a:pPr marL="285750" indent="-285750">
+              <a:buFont typeface="Arial" panose="020B0604020202020204" pitchFamily="34" charset="0"/>
+              <a:buChar char="•"/>
+            </a:pPr>
+            <a:r>
+              <a:rPr lang="de-DE" sz="1800" dirty="0"/>
+              <a:t>keine </a:t>
+            </a:r>
+            <a:r>
+              <a:rPr lang="de-DE" sz="1800" dirty="0" err="1"/>
+              <a:t>Bibliothekenunterstützung</a:t>
+            </a:r>
+            <a:endParaRPr lang="de-DE" sz="1800" dirty="0"/>
+          </a:p>
+          <a:p>
+            <a:endParaRPr lang="de-DE" sz="1800" kern="0" dirty="0"/>
+          </a:p>
+        </p:txBody>
+      </p:sp>
+      <p:sp>
+        <p:nvSpPr>
+          <p:cNvPr id="3" name="Pfeil nach rechts 2">
+            <a:extLst>
+              <a:ext uri="{FF2B5EF4-FFF2-40B4-BE49-F238E27FC236}">
+                <a16:creationId xmlns:a16="http://schemas.microsoft.com/office/drawing/2014/main" id="{BC414722-EB4E-1D48-BF44-7D8D952993CC}"/>
+              </a:ext>
+            </a:extLst>
+          </p:cNvPr>
+          <p:cNvSpPr/>
+          <p:nvPr/>
+        </p:nvSpPr>
+        <p:spPr>
+          <a:xfrm>
+            <a:off x="5903388" y="4805866"/>
+            <a:ext cx="978408" cy="484632"/>
+          </a:xfrm>
+          <a:prstGeom prst="rightArrow">
+            <a:avLst/>
+          </a:prstGeom>
+        </p:spPr>
+        <p:style>
+          <a:lnRef idx="2">
+            <a:schemeClr val="accent1">
+              <a:shade val="50000"/>
+            </a:schemeClr>
+          </a:lnRef>
+          <a:fillRef idx="1">
+            <a:schemeClr val="accent1"/>
+          </a:fillRef>
+          <a:effectRef idx="0">
+            <a:schemeClr val="accent1"/>
+          </a:effectRef>
+          <a:fontRef idx="minor">
+            <a:schemeClr val="lt1"/>
+          </a:fontRef>
+        </p:style>
+        <p:txBody>
+          <a:bodyPr rtlCol="0" anchor="ctr"/>
+          <a:lstStyle/>
+          <a:p>
+            <a:pPr algn="ctr"/>
+            <a:endParaRPr lang="de-DE"/>
+          </a:p>
+        </p:txBody>
+      </p:sp>
+      <p:sp>
+        <p:nvSpPr>
+          <p:cNvPr id="14" name="Inhaltsplatzhalter 2">
+            <a:extLst>
+              <a:ext uri="{FF2B5EF4-FFF2-40B4-BE49-F238E27FC236}">
+                <a16:creationId xmlns:a16="http://schemas.microsoft.com/office/drawing/2014/main" id="{CCEC6121-9668-2E46-9E43-4A6D0789E99E}"/>
+              </a:ext>
+            </a:extLst>
+          </p:cNvPr>
+          <p:cNvSpPr txBox="1">
+            <a:spLocks/>
+          </p:cNvSpPr>
+          <p:nvPr/>
+        </p:nvSpPr>
+        <p:spPr bwMode="auto">
+          <a:xfrm>
+            <a:off x="7266130" y="4644135"/>
+            <a:ext cx="4477137" cy="1167462"/>
+          </a:xfrm>
+          <a:prstGeom prst="rect">
+            <a:avLst/>
+          </a:prstGeom>
+          <a:noFill/>
+          <a:ln>
+            <a:noFill/>
+          </a:ln>
+          <a:effectLst/>
+          <a:extLst>
+            <a:ext uri="{909E8E84-426E-40DD-AFC4-6F175D3DCCD1}">
+              <a14:hiddenFill xmlns:a14="http://schemas.microsoft.com/office/drawing/2010/main">
+                <a:solidFill>
+                  <a:schemeClr val="accent1"/>
+                </a:solidFill>
+              </a14:hiddenFill>
+            </a:ext>
+            <a:ext uri="{91240B29-F687-4F45-9708-019B960494DF}">
+              <a14:hiddenLine xmlns:a14="http://schemas.microsoft.com/office/drawing/2010/main" w="9525">
+                <a:solidFill>
+                  <a:schemeClr val="tx1"/>
+                </a:solidFill>
+                <a:miter lim="800000"/>
+                <a:headEnd/>
+                <a:tailEnd/>
+              </a14:hiddenLine>
+            </a:ext>
+            <a:ext uri="{AF507438-7753-43E0-B8FC-AC1667EBCBE1}">
+              <a14:hiddenEffects xmlns:a14="http://schemas.microsoft.com/office/drawing/2010/main">
+                <a:effectLst>
+                  <a:outerShdw dist="35921" dir="2700000" algn="ctr" rotWithShape="0">
+                    <a:schemeClr val="bg2"/>
+                  </a:outerShdw>
+                </a:effectLst>
+              </a14:hiddenEffects>
+            </a:ext>
+          </a:extLst>
+        </p:spPr>
+        <p:txBody>
+          <a:bodyPr vert="horz" wrap="square" lIns="0" tIns="0" rIns="0" bIns="0" numCol="1" anchor="t" anchorCtr="0" compatLnSpc="1">
+            <a:prstTxWarp prst="textNoShape">
+              <a:avLst/>
+            </a:prstTxWarp>
+          </a:bodyPr>
+          <a:lstStyle>
+            <a:lvl1pPr algn="l" rtl="0" eaLnBrk="0" fontAlgn="base" hangingPunct="0">
+              <a:spcBef>
+                <a:spcPct val="20000"/>
+              </a:spcBef>
+              <a:spcAft>
+                <a:spcPct val="0"/>
+              </a:spcAft>
+              <a:defRPr sz="1600">
+                <a:solidFill>
+                  <a:schemeClr val="tx1"/>
+                </a:solidFill>
+                <a:latin typeface="+mn-lt"/>
+                <a:ea typeface="+mn-ea"/>
+                <a:cs typeface="+mn-cs"/>
+              </a:defRPr>
+            </a:lvl1pPr>
+            <a:lvl2pPr marL="190500" indent="-188913" algn="l" rtl="0" eaLnBrk="0" fontAlgn="base" hangingPunct="0">
+              <a:spcBef>
+                <a:spcPct val="20000"/>
+              </a:spcBef>
+              <a:spcAft>
+                <a:spcPct val="0"/>
+              </a:spcAft>
+              <a:buClr>
+                <a:schemeClr val="tx1"/>
+              </a:buClr>
+              <a:buFont typeface="Wingdings" panose="05000000000000000000" pitchFamily="2" charset="2"/>
+              <a:buChar char="§"/>
+              <a:defRPr sz="1600">
+                <a:solidFill>
+                  <a:schemeClr val="tx1"/>
+                </a:solidFill>
+                <a:latin typeface="+mn-lt"/>
+              </a:defRPr>
+            </a:lvl2pPr>
+            <a:lvl3pPr marL="361950" indent="-169863" algn="l" rtl="0" eaLnBrk="0" fontAlgn="base" hangingPunct="0">
+              <a:spcBef>
+                <a:spcPct val="20000"/>
+              </a:spcBef>
+              <a:spcAft>
+                <a:spcPct val="0"/>
+              </a:spcAft>
+              <a:buFont typeface="Wingdings" panose="05000000000000000000" pitchFamily="2" charset="2"/>
+              <a:buChar char="§"/>
+              <a:defRPr sz="1600">
+                <a:solidFill>
+                  <a:schemeClr val="tx1"/>
+                </a:solidFill>
+                <a:latin typeface="+mn-lt"/>
+              </a:defRPr>
+            </a:lvl3pPr>
+            <a:lvl4pPr marL="542925" indent="-179388" algn="l" rtl="0" eaLnBrk="0" fontAlgn="base" hangingPunct="0">
+              <a:spcBef>
+                <a:spcPct val="20000"/>
+              </a:spcBef>
+              <a:spcAft>
+                <a:spcPct val="0"/>
+              </a:spcAft>
+              <a:buClr>
+                <a:schemeClr val="tx1"/>
+              </a:buClr>
+              <a:buFont typeface="Wingdings" panose="05000000000000000000" pitchFamily="2" charset="2"/>
+              <a:buChar char="§"/>
+              <a:defRPr sz="1600">
+                <a:solidFill>
+                  <a:schemeClr val="tx1"/>
+                </a:solidFill>
+                <a:latin typeface="+mn-lt"/>
+              </a:defRPr>
+            </a:lvl4pPr>
+            <a:lvl5pPr marL="742950" indent="-198438" algn="l" rtl="0" eaLnBrk="0" fontAlgn="base" hangingPunct="0">
+              <a:spcBef>
+                <a:spcPct val="20000"/>
+              </a:spcBef>
+              <a:spcAft>
+                <a:spcPct val="0"/>
+              </a:spcAft>
+              <a:buFont typeface="Wingdings" panose="05000000000000000000" pitchFamily="2" charset="2"/>
+              <a:buChar char="§"/>
+              <a:defRPr sz="1600">
+                <a:solidFill>
+                  <a:schemeClr val="tx1"/>
+                </a:solidFill>
+                <a:latin typeface="+mn-lt"/>
+              </a:defRPr>
+            </a:lvl5pPr>
+            <a:lvl6pPr marL="1200150" indent="-198438" algn="l" rtl="0" fontAlgn="base">
+              <a:spcBef>
+                <a:spcPct val="20000"/>
+              </a:spcBef>
+              <a:spcAft>
+                <a:spcPct val="0"/>
+              </a:spcAft>
+              <a:buFont typeface="Wingdings" pitchFamily="2" charset="2"/>
+              <a:buChar char="§"/>
+              <a:defRPr sz="1600">
+                <a:solidFill>
+                  <a:schemeClr val="tx1"/>
+                </a:solidFill>
+                <a:latin typeface="+mn-lt"/>
+              </a:defRPr>
+            </a:lvl6pPr>
+            <a:lvl7pPr marL="1657350" indent="-198438" algn="l" rtl="0" fontAlgn="base">
+              <a:spcBef>
+                <a:spcPct val="20000"/>
+              </a:spcBef>
+              <a:spcAft>
+                <a:spcPct val="0"/>
+              </a:spcAft>
+              <a:buFont typeface="Wingdings" pitchFamily="2" charset="2"/>
+              <a:buChar char="§"/>
+              <a:defRPr sz="1600">
+                <a:solidFill>
+                  <a:schemeClr val="tx1"/>
+                </a:solidFill>
+                <a:latin typeface="+mn-lt"/>
+              </a:defRPr>
+            </a:lvl7pPr>
+            <a:lvl8pPr marL="2114550" indent="-198438" algn="l" rtl="0" fontAlgn="base">
+              <a:spcBef>
+                <a:spcPct val="20000"/>
+              </a:spcBef>
+              <a:spcAft>
+                <a:spcPct val="0"/>
+              </a:spcAft>
+              <a:buFont typeface="Wingdings" pitchFamily="2" charset="2"/>
+              <a:buChar char="§"/>
+              <a:defRPr sz="1600">
+                <a:solidFill>
+                  <a:schemeClr val="tx1"/>
+                </a:solidFill>
+                <a:latin typeface="+mn-lt"/>
+              </a:defRPr>
+            </a:lvl8pPr>
+            <a:lvl9pPr marL="2571750" indent="-198438" algn="l" rtl="0" fontAlgn="base">
+              <a:spcBef>
+                <a:spcPct val="20000"/>
+              </a:spcBef>
+              <a:spcAft>
+                <a:spcPct val="0"/>
+              </a:spcAft>
+              <a:buFont typeface="Wingdings" pitchFamily="2" charset="2"/>
+              <a:buChar char="§"/>
+              <a:defRPr sz="1600">
+                <a:solidFill>
+                  <a:schemeClr val="tx1"/>
+                </a:solidFill>
+                <a:latin typeface="+mn-lt"/>
+              </a:defRPr>
+            </a:lvl9pPr>
+          </a:lstStyle>
+          <a:p>
+            <a:r>
+              <a:rPr lang="de-DE" sz="1800" b="1" kern="0" dirty="0"/>
+              <a:t>Erfüllung wesentlicher Anforderungen</a:t>
+            </a:r>
+          </a:p>
+          <a:p>
+            <a:endParaRPr lang="de-DE" sz="1800" b="1" kern="0" dirty="0"/>
+          </a:p>
+          <a:p>
+            <a:r>
+              <a:rPr lang="de-DE" sz="1800" b="1" kern="0" dirty="0"/>
+              <a:t>Potentiale: Integrierbarkeit in IDEs</a:t>
+            </a:r>
+            <a:endParaRPr lang="de-DE" sz="1800" dirty="0"/>
+          </a:p>
+          <a:p>
+            <a:endParaRPr lang="de-DE" sz="1800" kern="0" dirty="0"/>
+          </a:p>
+        </p:txBody>
+      </p:sp>
+    </p:spTree>
+    <p:extLst>
+      <p:ext uri="{BB962C8B-B14F-4D97-AF65-F5344CB8AC3E}">
+        <p14:creationId xmlns:p14="http://schemas.microsoft.com/office/powerpoint/2010/main" val="1825829801"/>
+      </p:ext>
+    </p:extLst>
+  </p:cSld>
+  <p:clrMapOvr>
+    <a:masterClrMapping/>
+  </p:clrMapOvr>
+  <mc:AlternateContent xmlns:mc="http://schemas.openxmlformats.org/markup-compatibility/2006" xmlns:p14="http://schemas.microsoft.com/office/powerpoint/2010/main">
+    <mc:Choice Requires="p14">
+      <p:transition spd="med" p14:dur="700" advTm="1000">
+        <p:fade/>
+      </p:transition>
+    </mc:Choice>
+    <mc:Fallback xmlns="">
+      <p:transition spd="med" advTm="1000">
+        <p:fade/>
+      </p:transition>
+    </mc:Fallback>
+  </mc:AlternateContent>
+  <p:timing>
+    <p:tnLst>
+      <p:par>
+        <p:cTn id="1" dur="indefinite" restart="never" nodeType="tmRoot">
+          <p:childTnLst>
+            <p:seq concurrent="1" nextAc="seek">
+              <p:cTn id="2" dur="indefinite" nodeType="mainSeq">
+                <p:childTnLst>
+                  <p:par>
+                    <p:cTn id="3" fill="hold">
+                      <p:stCondLst>
+                        <p:cond delay="indefinite"/>
+                        <p:cond evt="onBegin" delay="0">
+                          <p:tn val="2"/>
+                        </p:cond>
+                      </p:stCondLst>
+                      <p:childTnLst>
+                        <p:par>
+                          <p:cTn id="4" fill="hold">
+                            <p:stCondLst>
+                              <p:cond delay="0"/>
+                            </p:stCondLst>
+                            <p:childTnLst>
+                              <p:par>
+                                <p:cTn id="5" presetID="22" presetClass="entr" presetSubtype="1" fill="hold" nodeType="withEffect">
+                                  <p:stCondLst>
+                                    <p:cond delay="0"/>
+                                  </p:stCondLst>
+                                  <p:childTnLst>
+                                    <p:set>
+                                      <p:cBhvr>
+                                        <p:cTn id="6" dur="1" fill="hold">
+                                          <p:stCondLst>
+                                            <p:cond delay="0"/>
+                                          </p:stCondLst>
+                                        </p:cTn>
+                                        <p:tgtEl>
+                                          <p:spTgt spid="10"/>
+                                        </p:tgtEl>
+                                        <p:attrNameLst>
+                                          <p:attrName>style.visibility</p:attrName>
+                                        </p:attrNameLst>
+                                      </p:cBhvr>
+                                      <p:to>
+                                        <p:strVal val="visible"/>
+                                      </p:to>
+                                    </p:set>
+                                    <p:animEffect transition="in" filter="wipe(up)">
+                                      <p:cBhvr>
+                                        <p:cTn id="7" dur="1000"/>
+                                        <p:tgtEl>
+                                          <p:spTgt spid="10"/>
+                                        </p:tgtEl>
+                                      </p:cBhvr>
+                                    </p:animEffect>
+                                  </p:childTnLst>
+                                </p:cTn>
+                              </p:par>
+                              <p:par>
+                                <p:cTn id="8" presetID="22" presetClass="entr" presetSubtype="1" fill="hold" grpId="0" nodeType="withEffect">
+                                  <p:stCondLst>
+                                    <p:cond delay="600"/>
+                                  </p:stCondLst>
+                                  <p:childTnLst>
+                                    <p:set>
+                                      <p:cBhvr>
+                                        <p:cTn id="9" dur="1" fill="hold">
+                                          <p:stCondLst>
+                                            <p:cond delay="0"/>
+                                          </p:stCondLst>
+                                        </p:cTn>
+                                        <p:tgtEl>
+                                          <p:spTgt spid="12"/>
+                                        </p:tgtEl>
+                                        <p:attrNameLst>
+                                          <p:attrName>style.visibility</p:attrName>
+                                        </p:attrNameLst>
+                                      </p:cBhvr>
+                                      <p:to>
+                                        <p:strVal val="visible"/>
+                                      </p:to>
+                                    </p:set>
+                                    <p:animEffect transition="in" filter="wipe(up)">
+                                      <p:cBhvr>
+                                        <p:cTn id="10" dur="500"/>
+                                        <p:tgtEl>
+                                          <p:spTgt spid="12"/>
+                                        </p:tgtEl>
+                                      </p:cBhvr>
+                                    </p:animEffect>
+                                  </p:childTnLst>
+                                </p:cTn>
+                              </p:par>
+                            </p:childTnLst>
+                          </p:cTn>
+                        </p:par>
+                      </p:childTnLst>
+                    </p:cTn>
+                  </p:par>
+                </p:childTnLst>
+              </p:cTn>
+              <p:prevCondLst>
+                <p:cond evt="onPrev" delay="0">
+                  <p:tgtEl>
+                    <p:sldTgt/>
+                  </p:tgtEl>
+                </p:cond>
+              </p:prevCondLst>
+              <p:nextCondLst>
+                <p:cond evt="onNext" delay="0">
+                  <p:tgtEl>
+                    <p:sldTgt/>
+                  </p:tgtEl>
+                </p:cond>
+              </p:nextCondLst>
+            </p:seq>
+          </p:childTnLst>
+        </p:cTn>
+      </p:par>
+    </p:tnLst>
+    <p:bldLst>
+      <p:bldP spid="12" grpId="0" animBg="1"/>
+    </p:bldLst>
+  </p:timing>
+</p:sld>
+</file>
+
+<file path=ppt/slides/slide17.xml><?xml version="1.0" encoding="utf-8"?>
+<p:sld xmlns:a="http://schemas.openxmlformats.org/drawingml/2006/main" xmlns:r="http://schemas.openxmlformats.org/officeDocument/2006/relationships" xmlns:p="http://schemas.openxmlformats.org/presentationml/2006/main">
+  <p:cSld>
+    <p:spTree>
+      <p:nvGrpSpPr>
+        <p:cNvPr id="1" name=""/>
+        <p:cNvGrpSpPr/>
+        <p:nvPr/>
+      </p:nvGrpSpPr>
+      <p:grpSpPr>
+        <a:xfrm>
+          <a:off x="0" y="0"/>
+          <a:ext cx="0" cy="0"/>
+          <a:chOff x="0" y="0"/>
+          <a:chExt cx="0" cy="0"/>
+        </a:xfrm>
+      </p:grpSpPr>
+      <p:sp>
+        <p:nvSpPr>
+          <p:cNvPr id="2" name="Titel 1">
+            <a:extLst>
+              <a:ext uri="{FF2B5EF4-FFF2-40B4-BE49-F238E27FC236}">
                 <a16:creationId xmlns:a16="http://schemas.microsoft.com/office/drawing/2014/main" id="{4A834F6F-9EAC-44A1-BD5E-C9C7FC1A3DCD}"/>
               </a:ext>
             </a:extLst>
@@ -7168,7 +10443,7 @@
 </p:sld>
 </file>
 
-<file path=ppt/slides/slide16.xml><?xml version="1.0" encoding="utf-8"?>
+<file path=ppt/slides/slide18.xml><?xml version="1.0" encoding="utf-8"?>
 <p:sld xmlns:a="http://schemas.openxmlformats.org/drawingml/2006/main" xmlns:r="http://schemas.openxmlformats.org/officeDocument/2006/relationships" xmlns:p="http://schemas.openxmlformats.org/presentationml/2006/main">
   <p:cSld>
     <p:spTree>
@@ -8610,7 +11885,7 @@
 </p:sld>
 </file>
 
-<file path=ppt/slides/slide17.xml><?xml version="1.0" encoding="utf-8"?>
+<file path=ppt/slides/slide19.xml><?xml version="1.0" encoding="utf-8"?>
 <p:sld xmlns:a="http://schemas.openxmlformats.org/drawingml/2006/main" xmlns:r="http://schemas.openxmlformats.org/officeDocument/2006/relationships" xmlns:p="http://schemas.openxmlformats.org/presentationml/2006/main">
   <p:cSld>
     <p:spTree>

--- a/Architektur_GIT.pptx
+++ b/Architektur_GIT.pptx
@@ -16,8 +16,8 @@
     <p:sldId id="261" r:id="rId7"/>
     <p:sldId id="262" r:id="rId8"/>
     <p:sldId id="263" r:id="rId9"/>
-    <p:sldId id="264" r:id="rId10"/>
-    <p:sldId id="265" r:id="rId11"/>
+    <p:sldId id="277" r:id="rId10"/>
+    <p:sldId id="273" r:id="rId11"/>
     <p:sldId id="266" r:id="rId12"/>
     <p:sldId id="267" r:id="rId13"/>
     <p:sldId id="268" r:id="rId14"/>
@@ -168,8 +168,8 @@
             <p14:sldId id="261"/>
             <p14:sldId id="262"/>
             <p14:sldId id="263"/>
-            <p14:sldId id="264"/>
-            <p14:sldId id="265"/>
+            <p14:sldId id="277"/>
+            <p14:sldId id="273"/>
             <p14:sldId id="266"/>
             <p14:sldId id="267"/>
             <p14:sldId id="268"/>
@@ -659,7 +659,7 @@
             <a:fld id="{92C84FA6-9D13-4F89-9D5F-507040849F9F}" type="slidenum">
               <a:rPr lang="de-DE" altLang="de-DE"/>
               <a:pPr/>
-              <a:t>‹Nr.›</a:t>
+              <a:t>‹#›</a:t>
             </a:fld>
             <a:endParaRPr lang="de-DE" altLang="de-DE"/>
           </a:p>
@@ -812,7 +812,7 @@
       </p:grpSpPr>
       <p:sp>
         <p:nvSpPr>
-          <p:cNvPr id="2" name="Folienbildplatzhalter 1"/>
+          <p:cNvPr id="2" name="Slide Image Placeholder 1"/>
           <p:cNvSpPr>
             <a:spLocks noGrp="1" noRot="1" noChangeAspect="1"/>
           </p:cNvSpPr>
@@ -824,7 +824,7 @@
       </p:sp>
       <p:sp>
         <p:nvSpPr>
-          <p:cNvPr id="3" name="Notizenplatzhalter 2"/>
+          <p:cNvPr id="3" name="Notes Placeholder 2"/>
           <p:cNvSpPr>
             <a:spLocks noGrp="1"/>
           </p:cNvSpPr>
@@ -838,67 +838,115 @@
           <a:lstStyle/>
           <a:p>
             <a:r>
-              <a:rPr lang="de-DE" dirty="0"/>
-              <a:t>Anforderungen 1 und 2 allgemein für VCS</a:t>
-            </a:r>
-          </a:p>
-          <a:p>
-            <a:r>
-              <a:rPr lang="de-DE" dirty="0"/>
-              <a:t>3,4,5 konkrete GIT </a:t>
-            </a:r>
-            <a:r>
-              <a:rPr lang="de-DE" dirty="0" err="1"/>
-              <a:t>designanforderungen</a:t>
-            </a:r>
-            <a:r>
-              <a:rPr lang="de-DE" dirty="0"/>
-              <a:t> von </a:t>
-            </a:r>
-            <a:r>
-              <a:rPr lang="de-DE" dirty="0" err="1"/>
-              <a:t>Torvalds</a:t>
-            </a:r>
-            <a:endParaRPr lang="de-DE" dirty="0"/>
-          </a:p>
-          <a:p>
-            <a:endParaRPr lang="de-DE" dirty="0"/>
-          </a:p>
-          <a:p>
-            <a:r>
-              <a:rPr lang="de-DE" dirty="0"/>
-              <a:t>quelle Susan Potter (aus Buch </a:t>
-            </a:r>
-            <a:r>
-              <a:rPr lang="de-DE" dirty="0" err="1"/>
-              <a:t>architecture</a:t>
-            </a:r>
-            <a:r>
-              <a:rPr lang="de-DE" dirty="0"/>
-              <a:t> open </a:t>
-            </a:r>
-            <a:r>
-              <a:rPr lang="de-DE" dirty="0" err="1"/>
-              <a:t>source</a:t>
-            </a:r>
-            <a:r>
-              <a:rPr lang="de-DE" dirty="0"/>
+              <a:rPr lang="en-US" dirty="0"/>
+              <a:t>Blob: </a:t>
+            </a:r>
+            <a:r>
+              <a:rPr lang="en-US" dirty="0" err="1"/>
+              <a:t>Ähnlich</a:t>
+            </a:r>
+            <a:r>
+              <a:rPr lang="en-US" dirty="0"/>
+              <a:t> einer </a:t>
+            </a:r>
+            <a:r>
+              <a:rPr lang="en-US" dirty="0" err="1"/>
+              <a:t>Datei</a:t>
+            </a:r>
+            <a:endParaRPr lang="en-US" dirty="0"/>
+          </a:p>
+          <a:p>
+            <a:r>
+              <a:rPr lang="en-US" dirty="0"/>
+              <a:t>Tree: </a:t>
+            </a:r>
+            <a:r>
+              <a:rPr lang="en-US" dirty="0" err="1"/>
+              <a:t>Ähnlich</a:t>
+            </a:r>
+            <a:r>
+              <a:rPr lang="en-US" dirty="0"/>
+              <a:t> eines </a:t>
+            </a:r>
+            <a:r>
+              <a:rPr lang="en-US" dirty="0" err="1"/>
+              <a:t>Verzeichnisses</a:t>
+            </a:r>
+            <a:endParaRPr lang="en-US" dirty="0"/>
+          </a:p>
+          <a:p>
+            <a:r>
+              <a:rPr lang="en-US" dirty="0"/>
+              <a:t>Commit: </a:t>
+            </a:r>
+            <a:r>
+              <a:rPr lang="en-US" dirty="0" err="1"/>
+              <a:t>Führt</a:t>
+            </a:r>
+            <a:r>
+              <a:rPr lang="en-US" dirty="0"/>
               <a:t> </a:t>
             </a:r>
             <a:r>
-              <a:rPr lang="de-DE" dirty="0" err="1"/>
-              <a:t>stuff</a:t>
-            </a:r>
-            <a:r>
-              <a:rPr lang="de-DE" dirty="0"/>
-              <a:t>)</a:t>
-            </a:r>
+              <a:rPr lang="en-US" dirty="0" err="1"/>
+              <a:t>mehrere</a:t>
+            </a:r>
+            <a:r>
+              <a:rPr lang="en-US" dirty="0"/>
+              <a:t> tree- und blob-</a:t>
+            </a:r>
+            <a:r>
+              <a:rPr lang="en-US" dirty="0" err="1"/>
+              <a:t>Objekte</a:t>
+            </a:r>
+            <a:r>
+              <a:rPr lang="en-US" dirty="0"/>
+              <a:t> zu einer Art Snapshot-</a:t>
+            </a:r>
+            <a:r>
+              <a:rPr lang="en-US" dirty="0" err="1"/>
+              <a:t>Objekt</a:t>
+            </a:r>
+            <a:r>
+              <a:rPr lang="en-US" dirty="0"/>
+              <a:t> </a:t>
+            </a:r>
+            <a:r>
+              <a:rPr lang="en-US" dirty="0" err="1"/>
+              <a:t>zusammen</a:t>
+            </a:r>
+            <a:endParaRPr lang="en-US" dirty="0"/>
+          </a:p>
+          <a:p>
+            <a:r>
+              <a:rPr lang="en-US" dirty="0"/>
+              <a:t>Tag: Pointer-</a:t>
+            </a:r>
+            <a:r>
+              <a:rPr lang="en-US" dirty="0" err="1"/>
+              <a:t>Objekt</a:t>
+            </a:r>
+            <a:r>
+              <a:rPr lang="en-US" dirty="0"/>
+              <a:t> auf einen </a:t>
+            </a:r>
+            <a:r>
+              <a:rPr lang="en-US" dirty="0" err="1"/>
+              <a:t>bestimmten</a:t>
+            </a:r>
+            <a:r>
+              <a:rPr lang="en-US" dirty="0"/>
+              <a:t> Commit</a:t>
+            </a:r>
+          </a:p>
+          <a:p>
+            <a:endParaRPr lang="LID4096" dirty="0"/>
           </a:p>
         </p:txBody>
       </p:sp>
       <p:sp>
         <p:nvSpPr>
-          <p:cNvPr id="4" name="Foliennummernplatzhalter 3"/>
+          <p:cNvPr id="4" name="Slide Number Placeholder 3"/>
           <p:cNvSpPr>
             <a:spLocks noGrp="1"/>
           </p:cNvSpPr>
@@ -914,7 +962,7 @@
             <a:fld id="{92C84FA6-9D13-4F89-9D5F-507040849F9F}" type="slidenum">
               <a:rPr lang="de-DE" altLang="de-DE" smtClean="0"/>
               <a:pPr/>
-              <a:t>14</a:t>
+              <a:t>9</a:t>
             </a:fld>
             <a:endParaRPr lang="de-DE" altLang="de-DE"/>
           </a:p>
@@ -923,7 +971,7 @@
     </p:spTree>
     <p:extLst>
       <p:ext uri="{BB962C8B-B14F-4D97-AF65-F5344CB8AC3E}">
-        <p14:creationId xmlns:p14="http://schemas.microsoft.com/office/powerpoint/2010/main" val="2926927885"/>
+        <p14:creationId xmlns:p14="http://schemas.microsoft.com/office/powerpoint/2010/main" val="230948126"/>
       </p:ext>
     </p:extLst>
   </p:cSld>
@@ -934,6 +982,135 @@
 </file>
 
 <file path=ppt/notesSlides/notesSlide2.xml><?xml version="1.0" encoding="utf-8"?>
+<p:notes xmlns:a="http://schemas.openxmlformats.org/drawingml/2006/main" xmlns:r="http://schemas.openxmlformats.org/officeDocument/2006/relationships" xmlns:p="http://schemas.openxmlformats.org/presentationml/2006/main">
+  <p:cSld>
+    <p:spTree>
+      <p:nvGrpSpPr>
+        <p:cNvPr id="1" name=""/>
+        <p:cNvGrpSpPr/>
+        <p:nvPr/>
+      </p:nvGrpSpPr>
+      <p:grpSpPr>
+        <a:xfrm>
+          <a:off x="0" y="0"/>
+          <a:ext cx="0" cy="0"/>
+          <a:chOff x="0" y="0"/>
+          <a:chExt cx="0" cy="0"/>
+        </a:xfrm>
+      </p:grpSpPr>
+      <p:sp>
+        <p:nvSpPr>
+          <p:cNvPr id="2" name="Slide Image Placeholder 1"/>
+          <p:cNvSpPr>
+            <a:spLocks noGrp="1" noRot="1" noChangeAspect="1"/>
+          </p:cNvSpPr>
+          <p:nvPr>
+            <p:ph type="sldImg"/>
+          </p:nvPr>
+        </p:nvSpPr>
+        <p:spPr/>
+      </p:sp>
+      <p:sp>
+        <p:nvSpPr>
+          <p:cNvPr id="3" name="Notes Placeholder 2"/>
+          <p:cNvSpPr>
+            <a:spLocks noGrp="1"/>
+          </p:cNvSpPr>
+          <p:nvPr>
+            <p:ph type="body" idx="1"/>
+          </p:nvPr>
+        </p:nvSpPr>
+        <p:spPr/>
+        <p:txBody>
+          <a:bodyPr/>
+          <a:lstStyle/>
+          <a:p>
+            <a:r>
+              <a:rPr lang="en-US" dirty="0"/>
+              <a:t>Git-References = Tags</a:t>
+            </a:r>
+          </a:p>
+          <a:p>
+            <a:r>
+              <a:rPr lang="en-US" dirty="0"/>
+              <a:t>Tags: Tags, Remote-HEAD, Remote-Branches, Local-HEAD, Local-Branches</a:t>
+            </a:r>
+          </a:p>
+          <a:p>
+            <a:r>
+              <a:rPr lang="en-US" dirty="0"/>
+              <a:t>Branches: Branches </a:t>
+            </a:r>
+            <a:r>
+              <a:rPr lang="en-US" dirty="0" err="1"/>
+              <a:t>sind</a:t>
+            </a:r>
+            <a:r>
+              <a:rPr lang="en-US" dirty="0"/>
+              <a:t> </a:t>
+            </a:r>
+            <a:r>
+              <a:rPr lang="en-US" dirty="0" err="1"/>
+              <a:t>nur</a:t>
+            </a:r>
+            <a:r>
+              <a:rPr lang="en-US" dirty="0"/>
+              <a:t> Tags, die auf den </a:t>
+            </a:r>
+            <a:r>
+              <a:rPr lang="en-US" dirty="0" err="1"/>
+              <a:t>aktuellsten</a:t>
+            </a:r>
+            <a:r>
+              <a:rPr lang="en-US" dirty="0"/>
+              <a:t> Commit eines Branches </a:t>
+            </a:r>
+            <a:r>
+              <a:rPr lang="en-US" dirty="0" err="1"/>
+              <a:t>zeigen</a:t>
+            </a:r>
+            <a:endParaRPr lang="LID4096" dirty="0"/>
+          </a:p>
+        </p:txBody>
+      </p:sp>
+      <p:sp>
+        <p:nvSpPr>
+          <p:cNvPr id="4" name="Slide Number Placeholder 3"/>
+          <p:cNvSpPr>
+            <a:spLocks noGrp="1"/>
+          </p:cNvSpPr>
+          <p:nvPr>
+            <p:ph type="sldNum" sz="quarter" idx="5"/>
+          </p:nvPr>
+        </p:nvSpPr>
+        <p:spPr/>
+        <p:txBody>
+          <a:bodyPr/>
+          <a:lstStyle/>
+          <a:p>
+            <a:fld id="{92C84FA6-9D13-4F89-9D5F-507040849F9F}" type="slidenum">
+              <a:rPr lang="de-DE" altLang="de-DE" smtClean="0"/>
+              <a:pPr/>
+              <a:t>10</a:t>
+            </a:fld>
+            <a:endParaRPr lang="de-DE" altLang="de-DE"/>
+          </a:p>
+        </p:txBody>
+      </p:sp>
+    </p:spTree>
+    <p:extLst>
+      <p:ext uri="{BB962C8B-B14F-4D97-AF65-F5344CB8AC3E}">
+        <p14:creationId xmlns:p14="http://schemas.microsoft.com/office/powerpoint/2010/main" val="1899401583"/>
+      </p:ext>
+    </p:extLst>
+  </p:cSld>
+  <p:clrMapOvr>
+    <a:masterClrMapping/>
+  </p:clrMapOvr>
+</p:notes>
+</file>
+
+<file path=ppt/notesSlides/notesSlide3.xml><?xml version="1.0" encoding="utf-8"?>
 <p:notes xmlns:a="http://schemas.openxmlformats.org/drawingml/2006/main" xmlns:r="http://schemas.openxmlformats.org/officeDocument/2006/relationships" xmlns:p="http://schemas.openxmlformats.org/presentationml/2006/main">
   <p:cSld>
     <p:spTree>
@@ -977,271 +1154,60 @@
           <a:bodyPr/>
           <a:lstStyle/>
           <a:p>
-            <a:pPr marL="285750" indent="-285750">
-              <a:buFont typeface="Arial" panose="020B0604020202020204" pitchFamily="34" charset="0"/>
-              <a:buChar char="•"/>
-            </a:pPr>
-            <a:r>
-              <a:rPr lang="de-DE" sz="1200" dirty="0"/>
-              <a:t>Gerichtete azyklische Graphen als Repräsentation der Datenstruktur (+1, Strukturierter Ansatz zur Datenspeicherung), (+2, keine </a:t>
-            </a:r>
-            <a:r>
-              <a:rPr lang="de-DE" sz="1200" dirty="0" err="1"/>
-              <a:t>änderung</a:t>
-            </a:r>
-            <a:r>
-              <a:rPr lang="de-DE" sz="1200" dirty="0"/>
-              <a:t> in </a:t>
-            </a:r>
-            <a:r>
-              <a:rPr lang="de-DE" sz="1200" dirty="0" err="1"/>
-              <a:t>dateien</a:t>
-            </a:r>
-            <a:r>
-              <a:rPr lang="de-DE" sz="1200" dirty="0"/>
-              <a:t> bedeutet keine </a:t>
-            </a:r>
-            <a:r>
-              <a:rPr lang="de-DE" sz="1200" dirty="0" err="1"/>
-              <a:t>änderung</a:t>
-            </a:r>
-            <a:r>
-              <a:rPr lang="de-DE" sz="1200" dirty="0"/>
-              <a:t> im </a:t>
-            </a:r>
-            <a:r>
-              <a:rPr lang="de-DE" sz="1200" dirty="0" err="1"/>
-              <a:t>graph</a:t>
-            </a:r>
-            <a:r>
-              <a:rPr lang="de-DE" sz="1200" dirty="0"/>
-              <a:t>), (+3, unterschiedliche </a:t>
-            </a:r>
-            <a:r>
-              <a:rPr lang="de-DE" sz="1200" dirty="0" err="1"/>
-              <a:t>graphen</a:t>
-            </a:r>
-            <a:r>
-              <a:rPr lang="de-DE" sz="1200" dirty="0"/>
-              <a:t> können </a:t>
-            </a:r>
-            <a:r>
-              <a:rPr lang="de-DE" sz="1200" dirty="0" err="1"/>
-              <a:t>gemerged</a:t>
-            </a:r>
-            <a:r>
-              <a:rPr lang="de-DE" sz="1200" dirty="0"/>
-              <a:t> werden und gleiche teile beibehalten werden, ermöglicht </a:t>
-            </a:r>
-            <a:r>
-              <a:rPr lang="de-DE" sz="1200" dirty="0" err="1"/>
-              <a:t>branching</a:t>
-            </a:r>
-            <a:r>
-              <a:rPr lang="de-DE" sz="1200" dirty="0"/>
-              <a:t>), (-5, </a:t>
-            </a:r>
-            <a:r>
-              <a:rPr lang="de-DE" sz="1200" dirty="0" err="1"/>
-              <a:t>repository</a:t>
-            </a:r>
-            <a:r>
-              <a:rPr lang="de-DE" sz="1200" dirty="0"/>
-              <a:t> speichert nicht nur </a:t>
-            </a:r>
-            <a:r>
-              <a:rPr lang="de-DE" sz="1200" dirty="0" err="1"/>
-              <a:t>diffs</a:t>
-            </a:r>
-            <a:r>
-              <a:rPr lang="de-DE" sz="1200" dirty="0"/>
-              <a:t> der </a:t>
-            </a:r>
-            <a:r>
-              <a:rPr lang="de-DE" sz="1200" dirty="0" err="1"/>
-              <a:t>dateien</a:t>
-            </a:r>
-            <a:r>
-              <a:rPr lang="de-DE" sz="1200" dirty="0"/>
-              <a:t> sondern immer den gesamten </a:t>
-            </a:r>
-            <a:r>
-              <a:rPr lang="de-DE" sz="1200" dirty="0" err="1"/>
-              <a:t>graph</a:t>
-            </a:r>
-            <a:r>
-              <a:rPr lang="de-DE" sz="1200" dirty="0"/>
-              <a:t> und </a:t>
-            </a:r>
-            <a:r>
-              <a:rPr lang="de-DE" sz="1200" dirty="0" err="1"/>
-              <a:t>dateiinhalte</a:t>
-            </a:r>
-            <a:r>
-              <a:rPr lang="de-DE" sz="1200" dirty="0"/>
-              <a:t>)</a:t>
-            </a:r>
-          </a:p>
-          <a:p>
-            <a:pPr marL="285750" indent="-285750">
-              <a:buFont typeface="Arial" panose="020B0604020202020204" pitchFamily="34" charset="0"/>
-              <a:buChar char="•"/>
-            </a:pPr>
-            <a:endParaRPr lang="de-DE" sz="1200" dirty="0"/>
-          </a:p>
-          <a:p>
-            <a:pPr marL="285750" indent="-285750">
-              <a:buFont typeface="Arial" panose="020B0604020202020204" pitchFamily="34" charset="0"/>
-              <a:buChar char="•"/>
-            </a:pPr>
-            <a:r>
-              <a:rPr lang="de-DE" sz="1200" dirty="0"/>
-              <a:t>SHAs als Identifier für GIT Objekte (+2, gleicher SHA heißt keine Änderung), (+3, </a:t>
-            </a:r>
-            <a:r>
-              <a:rPr lang="de-DE" sz="1200" dirty="0" err="1"/>
-              <a:t>unique</a:t>
-            </a:r>
-            <a:r>
-              <a:rPr lang="de-DE" sz="1200" dirty="0"/>
+            <a:r>
+              <a:rPr lang="de-DE" dirty="0"/>
+              <a:t>Anforderungen 1 und 2 allgemein für VCS</a:t>
+            </a:r>
+          </a:p>
+          <a:p>
+            <a:r>
+              <a:rPr lang="de-DE" dirty="0"/>
+              <a:t>3,4,5 konkrete GIT </a:t>
+            </a:r>
+            <a:r>
+              <a:rPr lang="de-DE" dirty="0" err="1"/>
+              <a:t>designanforderungen</a:t>
+            </a:r>
+            <a:r>
+              <a:rPr lang="de-DE" dirty="0"/>
+              <a:t> von </a:t>
+            </a:r>
+            <a:r>
+              <a:rPr lang="de-DE" dirty="0" err="1"/>
+              <a:t>Torvalds</a:t>
+            </a:r>
+            <a:endParaRPr lang="de-DE" dirty="0"/>
+          </a:p>
+          <a:p>
+            <a:endParaRPr lang="de-DE" dirty="0"/>
+          </a:p>
+          <a:p>
+            <a:r>
+              <a:rPr lang="de-DE" dirty="0"/>
+              <a:t>quelle Susan Potter (aus Buch </a:t>
+            </a:r>
+            <a:r>
+              <a:rPr lang="de-DE" dirty="0" err="1"/>
+              <a:t>architecture</a:t>
+            </a:r>
+            <a:r>
+              <a:rPr lang="de-DE" dirty="0"/>
+              <a:t> open </a:t>
+            </a:r>
+            <a:r>
+              <a:rPr lang="de-DE" dirty="0" err="1"/>
+              <a:t>source</a:t>
+            </a:r>
+            <a:r>
+              <a:rPr lang="de-DE" dirty="0"/>
               <a:t> </a:t>
             </a:r>
             <a:r>
-              <a:rPr lang="de-DE" sz="1200" dirty="0" err="1"/>
-              <a:t>identifier</a:t>
-            </a:r>
-            <a:r>
-              <a:rPr lang="de-DE" sz="1200" dirty="0"/>
-              <a:t> benötigt um unterschiedliche </a:t>
-            </a:r>
-            <a:r>
-              <a:rPr lang="de-DE" sz="1200" dirty="0" err="1"/>
-              <a:t>bearbeiter</a:t>
-            </a:r>
-            <a:r>
-              <a:rPr lang="de-DE" sz="1200" dirty="0"/>
-              <a:t> festzustellen), (+4, bei kopieren oder anderer </a:t>
-            </a:r>
-            <a:r>
-              <a:rPr lang="de-DE" sz="1200" dirty="0" err="1"/>
-              <a:t>datenkorrumpierung</a:t>
-            </a:r>
-            <a:r>
-              <a:rPr lang="de-DE" sz="1200" dirty="0"/>
-              <a:t> ändert sich der SHA), (+5, vereinfacht </a:t>
-            </a:r>
-            <a:r>
-              <a:rPr lang="de-DE" sz="1200" dirty="0" err="1"/>
-              <a:t>festellen</a:t>
-            </a:r>
-            <a:r>
-              <a:rPr lang="de-DE" sz="1200" dirty="0"/>
-              <a:t> von </a:t>
-            </a:r>
-            <a:r>
-              <a:rPr lang="de-DE" sz="1200" dirty="0" err="1"/>
-              <a:t>diff</a:t>
-            </a:r>
-            <a:r>
-              <a:rPr lang="de-DE" sz="1200" dirty="0"/>
-              <a:t> zwischen zwei </a:t>
-            </a:r>
-            <a:r>
-              <a:rPr lang="de-DE" sz="1200" dirty="0" err="1"/>
-              <a:t>dateien</a:t>
-            </a:r>
-            <a:r>
-              <a:rPr lang="de-DE" sz="1200" dirty="0"/>
-              <a:t>)</a:t>
-            </a:r>
-          </a:p>
-          <a:p>
-            <a:pPr marL="285750" indent="-285750">
-              <a:buFont typeface="Arial" panose="020B0604020202020204" pitchFamily="34" charset="0"/>
-              <a:buChar char="•"/>
-            </a:pPr>
-            <a:endParaRPr lang="de-DE" sz="1200" dirty="0"/>
-          </a:p>
-          <a:p>
-            <a:pPr marL="285750" indent="-285750">
-              <a:buFont typeface="Arial" panose="020B0604020202020204" pitchFamily="34" charset="0"/>
-              <a:buChar char="•"/>
-            </a:pPr>
-            <a:r>
-              <a:rPr lang="de-DE" sz="1200" dirty="0"/>
-              <a:t>Trennung von lokalem und remote Repository (+1, </a:t>
-            </a:r>
-            <a:r>
-              <a:rPr lang="de-DE" sz="1200" dirty="0" err="1"/>
-              <a:t>versionierung</a:t>
-            </a:r>
-            <a:r>
-              <a:rPr lang="de-DE" sz="1200" dirty="0"/>
-              <a:t> gleichzeitig mit (</a:t>
-            </a:r>
-            <a:r>
-              <a:rPr lang="de-DE" sz="1200" dirty="0" err="1"/>
-              <a:t>server</a:t>
-            </a:r>
-            <a:r>
-              <a:rPr lang="de-DE" sz="1200" dirty="0"/>
-              <a:t>)-backup), (+3, offline arbeiten möglich), (+5, wegen offline-fähigkeit)</a:t>
-            </a:r>
-          </a:p>
-          <a:p>
-            <a:pPr marL="285750" indent="-285750">
-              <a:buFont typeface="Arial" panose="020B0604020202020204" pitchFamily="34" charset="0"/>
-              <a:buChar char="•"/>
-            </a:pPr>
-            <a:endParaRPr lang="de-DE" sz="1200" dirty="0"/>
-          </a:p>
-          <a:p>
-            <a:pPr marL="285750" indent="-285750">
-              <a:buFont typeface="Arial" panose="020B0604020202020204" pitchFamily="34" charset="0"/>
-              <a:buChar char="•"/>
-            </a:pPr>
-            <a:r>
-              <a:rPr lang="de-DE" sz="1200" dirty="0"/>
-              <a:t>Definition vier primitiver GIT-Datentypen (+1, </a:t>
-            </a:r>
-            <a:r>
-              <a:rPr lang="de-DE" sz="1200" dirty="0" err="1"/>
-              <a:t>möglicht</a:t>
-            </a:r>
-            <a:r>
-              <a:rPr lang="de-DE" sz="1200" dirty="0"/>
-              <a:t> wenig komplexe und </a:t>
-            </a:r>
-            <a:r>
-              <a:rPr lang="de-DE" sz="1200" dirty="0" err="1"/>
-              <a:t>gleichzeit</a:t>
-            </a:r>
-            <a:r>
-              <a:rPr lang="de-DE" sz="1200" dirty="0"/>
-              <a:t> strukturgebende </a:t>
-            </a:r>
-            <a:r>
-              <a:rPr lang="de-DE" sz="1200" dirty="0" err="1"/>
-              <a:t>maßnahme</a:t>
-            </a:r>
-            <a:r>
-              <a:rPr lang="de-DE" sz="1200" dirty="0"/>
-              <a:t> durch </a:t>
-            </a:r>
-            <a:r>
-              <a:rPr lang="de-DE" sz="1200" dirty="0" err="1"/>
-              <a:t>einführung</a:t>
-            </a:r>
-            <a:r>
-              <a:rPr lang="de-DE" sz="1200" dirty="0"/>
-              <a:t> weniger </a:t>
-            </a:r>
-            <a:r>
-              <a:rPr lang="de-DE" sz="1200" dirty="0" err="1"/>
-              <a:t>datentypen</a:t>
-            </a:r>
-            <a:r>
-              <a:rPr lang="de-DE" sz="1200" dirty="0"/>
+              <a:rPr lang="de-DE" dirty="0" err="1"/>
+              <a:t>stuff</a:t>
+            </a:r>
+            <a:r>
+              <a:rPr lang="de-DE" dirty="0"/>
               <a:t>)</a:t>
             </a:r>
           </a:p>
@@ -1265,6 +1231,357 @@
             <a:fld id="{92C84FA6-9D13-4F89-9D5F-507040849F9F}" type="slidenum">
               <a:rPr lang="de-DE" altLang="de-DE" smtClean="0"/>
               <a:pPr/>
+              <a:t>14</a:t>
+            </a:fld>
+            <a:endParaRPr lang="de-DE" altLang="de-DE"/>
+          </a:p>
+        </p:txBody>
+      </p:sp>
+    </p:spTree>
+    <p:extLst>
+      <p:ext uri="{BB962C8B-B14F-4D97-AF65-F5344CB8AC3E}">
+        <p14:creationId xmlns:p14="http://schemas.microsoft.com/office/powerpoint/2010/main" val="2926927885"/>
+      </p:ext>
+    </p:extLst>
+  </p:cSld>
+  <p:clrMapOvr>
+    <a:masterClrMapping/>
+  </p:clrMapOvr>
+</p:notes>
+</file>
+
+<file path=ppt/notesSlides/notesSlide4.xml><?xml version="1.0" encoding="utf-8"?>
+<p:notes xmlns:a="http://schemas.openxmlformats.org/drawingml/2006/main" xmlns:r="http://schemas.openxmlformats.org/officeDocument/2006/relationships" xmlns:p="http://schemas.openxmlformats.org/presentationml/2006/main">
+  <p:cSld>
+    <p:spTree>
+      <p:nvGrpSpPr>
+        <p:cNvPr id="1" name=""/>
+        <p:cNvGrpSpPr/>
+        <p:nvPr/>
+      </p:nvGrpSpPr>
+      <p:grpSpPr>
+        <a:xfrm>
+          <a:off x="0" y="0"/>
+          <a:ext cx="0" cy="0"/>
+          <a:chOff x="0" y="0"/>
+          <a:chExt cx="0" cy="0"/>
+        </a:xfrm>
+      </p:grpSpPr>
+      <p:sp>
+        <p:nvSpPr>
+          <p:cNvPr id="2" name="Folienbildplatzhalter 1"/>
+          <p:cNvSpPr>
+            <a:spLocks noGrp="1" noRot="1" noChangeAspect="1"/>
+          </p:cNvSpPr>
+          <p:nvPr>
+            <p:ph type="sldImg"/>
+          </p:nvPr>
+        </p:nvSpPr>
+        <p:spPr/>
+      </p:sp>
+      <p:sp>
+        <p:nvSpPr>
+          <p:cNvPr id="3" name="Notizenplatzhalter 2"/>
+          <p:cNvSpPr>
+            <a:spLocks noGrp="1"/>
+          </p:cNvSpPr>
+          <p:nvPr>
+            <p:ph type="body" idx="1"/>
+          </p:nvPr>
+        </p:nvSpPr>
+        <p:spPr/>
+        <p:txBody>
+          <a:bodyPr/>
+          <a:lstStyle/>
+          <a:p>
+            <a:pPr marL="285750" indent="-285750">
+              <a:buFont typeface="Arial" panose="020B0604020202020204" pitchFamily="34" charset="0"/>
+              <a:buChar char="•"/>
+            </a:pPr>
+            <a:r>
+              <a:rPr lang="de-DE" sz="1200" dirty="0"/>
+              <a:t>Gerichtete azyklische Graphen als Repräsentation der Datenstruktur (+1, Strukturierter Ansatz zur Datenspeicherung), (+2, keine </a:t>
+            </a:r>
+            <a:r>
+              <a:rPr lang="de-DE" sz="1200" dirty="0" err="1"/>
+              <a:t>änderung</a:t>
+            </a:r>
+            <a:r>
+              <a:rPr lang="de-DE" sz="1200" dirty="0"/>
+              <a:t> in </a:t>
+            </a:r>
+            <a:r>
+              <a:rPr lang="de-DE" sz="1200" dirty="0" err="1"/>
+              <a:t>dateien</a:t>
+            </a:r>
+            <a:r>
+              <a:rPr lang="de-DE" sz="1200" dirty="0"/>
+              <a:t> bedeutet keine </a:t>
+            </a:r>
+            <a:r>
+              <a:rPr lang="de-DE" sz="1200" dirty="0" err="1"/>
+              <a:t>änderung</a:t>
+            </a:r>
+            <a:r>
+              <a:rPr lang="de-DE" sz="1200" dirty="0"/>
+              <a:t> im </a:t>
+            </a:r>
+            <a:r>
+              <a:rPr lang="de-DE" sz="1200" dirty="0" err="1"/>
+              <a:t>graph</a:t>
+            </a:r>
+            <a:r>
+              <a:rPr lang="de-DE" sz="1200" dirty="0"/>
+              <a:t>), (+3, unterschiedliche </a:t>
+            </a:r>
+            <a:r>
+              <a:rPr lang="de-DE" sz="1200" dirty="0" err="1"/>
+              <a:t>graphen</a:t>
+            </a:r>
+            <a:r>
+              <a:rPr lang="de-DE" sz="1200" dirty="0"/>
+              <a:t> können </a:t>
+            </a:r>
+            <a:r>
+              <a:rPr lang="de-DE" sz="1200" dirty="0" err="1"/>
+              <a:t>gemerged</a:t>
+            </a:r>
+            <a:r>
+              <a:rPr lang="de-DE" sz="1200" dirty="0"/>
+              <a:t> werden und gleiche teile beibehalten werden, ermöglicht </a:t>
+            </a:r>
+            <a:r>
+              <a:rPr lang="de-DE" sz="1200" dirty="0" err="1"/>
+              <a:t>branching</a:t>
+            </a:r>
+            <a:r>
+              <a:rPr lang="de-DE" sz="1200" dirty="0"/>
+              <a:t>), (-5, </a:t>
+            </a:r>
+            <a:r>
+              <a:rPr lang="de-DE" sz="1200" dirty="0" err="1"/>
+              <a:t>repository</a:t>
+            </a:r>
+            <a:r>
+              <a:rPr lang="de-DE" sz="1200" dirty="0"/>
+              <a:t> speichert nicht nur </a:t>
+            </a:r>
+            <a:r>
+              <a:rPr lang="de-DE" sz="1200" dirty="0" err="1"/>
+              <a:t>diffs</a:t>
+            </a:r>
+            <a:r>
+              <a:rPr lang="de-DE" sz="1200" dirty="0"/>
+              <a:t> der </a:t>
+            </a:r>
+            <a:r>
+              <a:rPr lang="de-DE" sz="1200" dirty="0" err="1"/>
+              <a:t>dateien</a:t>
+            </a:r>
+            <a:r>
+              <a:rPr lang="de-DE" sz="1200" dirty="0"/>
+              <a:t> sondern immer den gesamten </a:t>
+            </a:r>
+            <a:r>
+              <a:rPr lang="de-DE" sz="1200" dirty="0" err="1"/>
+              <a:t>graph</a:t>
+            </a:r>
+            <a:r>
+              <a:rPr lang="de-DE" sz="1200" dirty="0"/>
+              <a:t> und </a:t>
+            </a:r>
+            <a:r>
+              <a:rPr lang="de-DE" sz="1200" dirty="0" err="1"/>
+              <a:t>dateiinhalte</a:t>
+            </a:r>
+            <a:r>
+              <a:rPr lang="de-DE" sz="1200" dirty="0"/>
+              <a:t>)</a:t>
+            </a:r>
+          </a:p>
+          <a:p>
+            <a:pPr marL="285750" indent="-285750">
+              <a:buFont typeface="Arial" panose="020B0604020202020204" pitchFamily="34" charset="0"/>
+              <a:buChar char="•"/>
+            </a:pPr>
+            <a:endParaRPr lang="de-DE" sz="1200" dirty="0"/>
+          </a:p>
+          <a:p>
+            <a:pPr marL="285750" indent="-285750">
+              <a:buFont typeface="Arial" panose="020B0604020202020204" pitchFamily="34" charset="0"/>
+              <a:buChar char="•"/>
+            </a:pPr>
+            <a:r>
+              <a:rPr lang="de-DE" sz="1200" dirty="0"/>
+              <a:t>SHAs als Identifier für GIT Objekte (+2, gleicher SHA heißt keine Änderung), (+3, </a:t>
+            </a:r>
+            <a:r>
+              <a:rPr lang="de-DE" sz="1200" dirty="0" err="1"/>
+              <a:t>unique</a:t>
+            </a:r>
+            <a:r>
+              <a:rPr lang="de-DE" sz="1200" dirty="0"/>
+              <a:t> </a:t>
+            </a:r>
+            <a:r>
+              <a:rPr lang="de-DE" sz="1200" dirty="0" err="1"/>
+              <a:t>identifier</a:t>
+            </a:r>
+            <a:r>
+              <a:rPr lang="de-DE" sz="1200" dirty="0"/>
+              <a:t> benötigt um unterschiedliche </a:t>
+            </a:r>
+            <a:r>
+              <a:rPr lang="de-DE" sz="1200" dirty="0" err="1"/>
+              <a:t>bearbeiter</a:t>
+            </a:r>
+            <a:r>
+              <a:rPr lang="de-DE" sz="1200" dirty="0"/>
+              <a:t> festzustellen), (+4, bei kopieren oder anderer </a:t>
+            </a:r>
+            <a:r>
+              <a:rPr lang="de-DE" sz="1200" dirty="0" err="1"/>
+              <a:t>datenkorrumpierung</a:t>
+            </a:r>
+            <a:r>
+              <a:rPr lang="de-DE" sz="1200" dirty="0"/>
+              <a:t> ändert sich der SHA), (+5, vereinfacht </a:t>
+            </a:r>
+            <a:r>
+              <a:rPr lang="de-DE" sz="1200" dirty="0" err="1"/>
+              <a:t>festellen</a:t>
+            </a:r>
+            <a:r>
+              <a:rPr lang="de-DE" sz="1200" dirty="0"/>
+              <a:t> von </a:t>
+            </a:r>
+            <a:r>
+              <a:rPr lang="de-DE" sz="1200" dirty="0" err="1"/>
+              <a:t>diff</a:t>
+            </a:r>
+            <a:r>
+              <a:rPr lang="de-DE" sz="1200" dirty="0"/>
+              <a:t> zwischen zwei </a:t>
+            </a:r>
+            <a:r>
+              <a:rPr lang="de-DE" sz="1200" dirty="0" err="1"/>
+              <a:t>dateien</a:t>
+            </a:r>
+            <a:r>
+              <a:rPr lang="de-DE" sz="1200" dirty="0"/>
+              <a:t>)</a:t>
+            </a:r>
+          </a:p>
+          <a:p>
+            <a:pPr marL="285750" indent="-285750">
+              <a:buFont typeface="Arial" panose="020B0604020202020204" pitchFamily="34" charset="0"/>
+              <a:buChar char="•"/>
+            </a:pPr>
+            <a:endParaRPr lang="de-DE" sz="1200" dirty="0"/>
+          </a:p>
+          <a:p>
+            <a:pPr marL="285750" indent="-285750">
+              <a:buFont typeface="Arial" panose="020B0604020202020204" pitchFamily="34" charset="0"/>
+              <a:buChar char="•"/>
+            </a:pPr>
+            <a:r>
+              <a:rPr lang="de-DE" sz="1200" dirty="0"/>
+              <a:t>Trennung von lokalem und remote Repository (+1, </a:t>
+            </a:r>
+            <a:r>
+              <a:rPr lang="de-DE" sz="1200" dirty="0" err="1"/>
+              <a:t>versionierung</a:t>
+            </a:r>
+            <a:r>
+              <a:rPr lang="de-DE" sz="1200" dirty="0"/>
+              <a:t> gleichzeitig mit (</a:t>
+            </a:r>
+            <a:r>
+              <a:rPr lang="de-DE" sz="1200" dirty="0" err="1"/>
+              <a:t>server</a:t>
+            </a:r>
+            <a:r>
+              <a:rPr lang="de-DE" sz="1200" dirty="0"/>
+              <a:t>)-backup), (+3, offline arbeiten möglich), (+5, wegen offline-fähigkeit)</a:t>
+            </a:r>
+          </a:p>
+          <a:p>
+            <a:pPr marL="285750" indent="-285750">
+              <a:buFont typeface="Arial" panose="020B0604020202020204" pitchFamily="34" charset="0"/>
+              <a:buChar char="•"/>
+            </a:pPr>
+            <a:endParaRPr lang="de-DE" sz="1200" dirty="0"/>
+          </a:p>
+          <a:p>
+            <a:pPr marL="285750" indent="-285750">
+              <a:buFont typeface="Arial" panose="020B0604020202020204" pitchFamily="34" charset="0"/>
+              <a:buChar char="•"/>
+            </a:pPr>
+            <a:r>
+              <a:rPr lang="de-DE" sz="1200" dirty="0"/>
+              <a:t>Definition vier primitiver GIT-Datentypen (+1, </a:t>
+            </a:r>
+            <a:r>
+              <a:rPr lang="de-DE" sz="1200" dirty="0" err="1"/>
+              <a:t>möglicht</a:t>
+            </a:r>
+            <a:r>
+              <a:rPr lang="de-DE" sz="1200" dirty="0"/>
+              <a:t> wenig komplexe und </a:t>
+            </a:r>
+            <a:r>
+              <a:rPr lang="de-DE" sz="1200" dirty="0" err="1"/>
+              <a:t>gleichzeit</a:t>
+            </a:r>
+            <a:r>
+              <a:rPr lang="de-DE" sz="1200" dirty="0"/>
+              <a:t> strukturgebende </a:t>
+            </a:r>
+            <a:r>
+              <a:rPr lang="de-DE" sz="1200" dirty="0" err="1"/>
+              <a:t>maßnahme</a:t>
+            </a:r>
+            <a:r>
+              <a:rPr lang="de-DE" sz="1200" dirty="0"/>
+              <a:t> durch </a:t>
+            </a:r>
+            <a:r>
+              <a:rPr lang="de-DE" sz="1200" dirty="0" err="1"/>
+              <a:t>einführung</a:t>
+            </a:r>
+            <a:r>
+              <a:rPr lang="de-DE" sz="1200" dirty="0"/>
+              <a:t> weniger </a:t>
+            </a:r>
+            <a:r>
+              <a:rPr lang="de-DE" sz="1200" dirty="0" err="1"/>
+              <a:t>datentypen</a:t>
+            </a:r>
+            <a:r>
+              <a:rPr lang="de-DE" sz="1200" dirty="0"/>
+              <a:t>)</a:t>
+            </a:r>
+          </a:p>
+        </p:txBody>
+      </p:sp>
+      <p:sp>
+        <p:nvSpPr>
+          <p:cNvPr id="4" name="Foliennummernplatzhalter 3"/>
+          <p:cNvSpPr>
+            <a:spLocks noGrp="1"/>
+          </p:cNvSpPr>
+          <p:nvPr>
+            <p:ph type="sldNum" sz="quarter" idx="5"/>
+          </p:nvPr>
+        </p:nvSpPr>
+        <p:spPr/>
+        <p:txBody>
+          <a:bodyPr/>
+          <a:lstStyle/>
+          <a:p>
+            <a:fld id="{92C84FA6-9D13-4F89-9D5F-507040849F9F}" type="slidenum">
+              <a:rPr lang="de-DE" altLang="de-DE" smtClean="0"/>
+              <a:pPr/>
               <a:t>15</a:t>
             </a:fld>
             <a:endParaRPr lang="de-DE" altLang="de-DE"/>
@@ -1284,7 +1601,7 @@
 </p:notes>
 </file>
 
-<file path=ppt/notesSlides/notesSlide3.xml><?xml version="1.0" encoding="utf-8"?>
+<file path=ppt/notesSlides/notesSlide5.xml><?xml version="1.0" encoding="utf-8"?>
 <p:notes xmlns:a="http://schemas.openxmlformats.org/drawingml/2006/main" xmlns:r="http://schemas.openxmlformats.org/officeDocument/2006/relationships" xmlns:p="http://schemas.openxmlformats.org/presentationml/2006/main">
   <p:cSld>
     <p:spTree>
@@ -2151,7 +2468,7 @@
           <a:p>
             <a:fld id="{F0D12A71-A58E-40BE-A08F-1058245CE28C}" type="datetime1">
               <a:rPr lang="de-DE" altLang="de-DE" sz="800" smtClean="0"/>
-              <a:t>15.01.20</a:t>
+              <a:t>18.01.2020</a:t>
             </a:fld>
             <a:r>
               <a:rPr lang="de-DE" altLang="de-DE" sz="800" dirty="0"/>
@@ -2159,7 +2476,7 @@
             </a:r>
             <a:fld id="{5103C2F5-CAD6-4020-8144-FE16A2C7B9DC}" type="slidenum">
               <a:rPr lang="de-DE" altLang="de-DE" sz="800" smtClean="0"/>
-              <a:t>‹Nr.›</a:t>
+              <a:t>‹#›</a:t>
             </a:fld>
             <a:endParaRPr lang="de-DE" sz="800" dirty="0"/>
           </a:p>
@@ -3377,33 +3694,16 @@
           <a:p>
             <a:r>
               <a:rPr lang="de-DE" dirty="0"/>
-              <a:t>Architektur der Datentypen</a:t>
-            </a:r>
-          </a:p>
-        </p:txBody>
-      </p:sp>
-      <p:sp>
-        <p:nvSpPr>
-          <p:cNvPr id="3" name="Inhaltsplatzhalter 2">
-            <a:extLst>
-              <a:ext uri="{FF2B5EF4-FFF2-40B4-BE49-F238E27FC236}">
-                <a16:creationId xmlns:a16="http://schemas.microsoft.com/office/drawing/2014/main" id="{A7DF450C-E2A2-4EFC-ACC2-97D8EBDC63AD}"/>
-              </a:ext>
-            </a:extLst>
-          </p:cNvPr>
-          <p:cNvSpPr>
-            <a:spLocks noGrp="1"/>
-          </p:cNvSpPr>
-          <p:nvPr>
-            <p:ph idx="1"/>
-          </p:nvPr>
-        </p:nvSpPr>
-        <p:spPr/>
-        <p:txBody>
-          <a:bodyPr/>
-          <a:lstStyle/>
-          <a:p>
-            <a:endParaRPr lang="de-DE"/>
+              <a:t>Architektur der Datentypen: </a:t>
+            </a:r>
+            <a:r>
+              <a:rPr lang="de-DE" dirty="0" err="1"/>
+              <a:t>Git</a:t>
+            </a:r>
+            <a:r>
+              <a:rPr lang="de-DE" dirty="0"/>
+              <a:t>-References</a:t>
+            </a:r>
           </a:p>
         </p:txBody>
       </p:sp>
@@ -3851,10 +4151,44 @@
           </a:p>
         </p:txBody>
       </p:sp>
+      <p:pic>
+        <p:nvPicPr>
+          <p:cNvPr id="21" name="Content Placeholder 20">
+            <a:extLst>
+              <a:ext uri="{FF2B5EF4-FFF2-40B4-BE49-F238E27FC236}">
+                <a16:creationId xmlns:a16="http://schemas.microsoft.com/office/drawing/2014/main" id="{28D07755-87D5-4013-8382-FBF77D6F8496}"/>
+              </a:ext>
+            </a:extLst>
+          </p:cNvPr>
+          <p:cNvPicPr>
+            <a:picLocks noGrp="1" noChangeAspect="1"/>
+          </p:cNvPicPr>
+          <p:nvPr>
+            <p:ph idx="1"/>
+          </p:nvPr>
+        </p:nvPicPr>
+        <p:blipFill rotWithShape="1">
+          <a:blip r:embed="rId3">
+            <a:extLst>
+              <a:ext uri="{28A0092B-C50C-407E-A947-70E740481C1C}">
+                <a14:useLocalDpi xmlns:a14="http://schemas.microsoft.com/office/drawing/2010/main" val="0"/>
+              </a:ext>
+            </a:extLst>
+          </a:blip>
+          <a:srcRect l="3511" t="5471" r="6504" b="11054"/>
+          <a:stretch/>
+        </p:blipFill>
+        <p:spPr>
+          <a:xfrm>
+            <a:off x="1183214" y="1808820"/>
+            <a:ext cx="10538411" cy="3495668"/>
+          </a:xfrm>
+        </p:spPr>
+      </p:pic>
     </p:spTree>
     <p:extLst>
       <p:ext uri="{BB962C8B-B14F-4D97-AF65-F5344CB8AC3E}">
-        <p14:creationId xmlns:p14="http://schemas.microsoft.com/office/powerpoint/2010/main" val="228614313"/>
+        <p14:creationId xmlns:p14="http://schemas.microsoft.com/office/powerpoint/2010/main" val="4099024290"/>
       </p:ext>
     </p:extLst>
   </p:cSld>
@@ -10344,36 +10678,6 @@
           </a:p>
         </p:txBody>
       </p:sp>
-      <p:pic>
-        <p:nvPicPr>
-          <p:cNvPr id="13" name="Grafik 12">
-            <a:extLst>
-              <a:ext uri="{FF2B5EF4-FFF2-40B4-BE49-F238E27FC236}">
-                <a16:creationId xmlns:a16="http://schemas.microsoft.com/office/drawing/2014/main" id="{76CACC09-E94D-474A-A0E9-4D9E9156779A}"/>
-              </a:ext>
-            </a:extLst>
-          </p:cNvPr>
-          <p:cNvPicPr>
-            <a:picLocks noChangeAspect="1"/>
-          </p:cNvPicPr>
-          <p:nvPr/>
-        </p:nvPicPr>
-        <p:blipFill>
-          <a:blip r:embed="rId2"/>
-          <a:stretch>
-            <a:fillRect/>
-          </a:stretch>
-        </p:blipFill>
-        <p:spPr>
-          <a:xfrm>
-            <a:off x="3620725" y="953725"/>
-            <a:ext cx="4617322" cy="4617322"/>
-          </a:xfrm>
-          <a:prstGeom prst="rect">
-            <a:avLst/>
-          </a:prstGeom>
-        </p:spPr>
-      </p:pic>
       <p:sp>
         <p:nvSpPr>
           <p:cNvPr id="14" name="Textfeld 13">
@@ -10418,6 +10722,42 @@
           </a:p>
         </p:txBody>
       </p:sp>
+      <p:pic>
+        <p:nvPicPr>
+          <p:cNvPr id="15" name="Picture 14">
+            <a:extLst>
+              <a:ext uri="{FF2B5EF4-FFF2-40B4-BE49-F238E27FC236}">
+                <a16:creationId xmlns:a16="http://schemas.microsoft.com/office/drawing/2014/main" id="{68BB650E-F5E8-4B16-8D11-E73A8ABD89B5}"/>
+              </a:ext>
+            </a:extLst>
+          </p:cNvPr>
+          <p:cNvPicPr>
+            <a:picLocks noChangeAspect="1"/>
+          </p:cNvPicPr>
+          <p:nvPr/>
+        </p:nvPicPr>
+        <p:blipFill>
+          <a:blip r:embed="rId2">
+            <a:extLst>
+              <a:ext uri="{28A0092B-C50C-407E-A947-70E740481C1C}">
+                <a14:useLocalDpi xmlns:a14="http://schemas.microsoft.com/office/drawing/2010/main" val="0"/>
+              </a:ext>
+            </a:extLst>
+          </a:blip>
+          <a:stretch>
+            <a:fillRect/>
+          </a:stretch>
+        </p:blipFill>
+        <p:spPr>
+          <a:xfrm>
+            <a:off x="3186883" y="1571447"/>
+            <a:ext cx="5945234" cy="3715106"/>
+          </a:xfrm>
+          <a:prstGeom prst="rect">
+            <a:avLst/>
+          </a:prstGeom>
+        </p:spPr>
+      </p:pic>
     </p:spTree>
     <p:extLst>
       <p:ext uri="{BB962C8B-B14F-4D97-AF65-F5344CB8AC3E}">
@@ -19052,33 +19392,16 @@
           <a:p>
             <a:r>
               <a:rPr lang="de-DE" dirty="0"/>
-              <a:t>Architektur der Datentypen</a:t>
-            </a:r>
-          </a:p>
-        </p:txBody>
-      </p:sp>
-      <p:sp>
-        <p:nvSpPr>
-          <p:cNvPr id="3" name="Inhaltsplatzhalter 2">
-            <a:extLst>
-              <a:ext uri="{FF2B5EF4-FFF2-40B4-BE49-F238E27FC236}">
-                <a16:creationId xmlns:a16="http://schemas.microsoft.com/office/drawing/2014/main" id="{AB5DAD74-10C5-43CF-9DE2-25E796E71D5E}"/>
-              </a:ext>
-            </a:extLst>
-          </p:cNvPr>
-          <p:cNvSpPr>
-            <a:spLocks noGrp="1"/>
-          </p:cNvSpPr>
-          <p:nvPr>
-            <p:ph idx="1"/>
-          </p:nvPr>
-        </p:nvSpPr>
-        <p:spPr/>
-        <p:txBody>
-          <a:bodyPr/>
-          <a:lstStyle/>
-          <a:p>
-            <a:endParaRPr lang="de-DE"/>
+              <a:t>Architektur der Datentypen: </a:t>
+            </a:r>
+            <a:r>
+              <a:rPr lang="de-DE" dirty="0" err="1"/>
+              <a:t>Git</a:t>
+            </a:r>
+            <a:r>
+              <a:rPr lang="de-DE" dirty="0"/>
+              <a:t>-Objects</a:t>
+            </a:r>
           </a:p>
         </p:txBody>
       </p:sp>
@@ -19526,10 +19849,80 @@
           </a:p>
         </p:txBody>
       </p:sp>
+      <p:pic>
+        <p:nvPicPr>
+          <p:cNvPr id="21" name="Picture 20">
+            <a:extLst>
+              <a:ext uri="{FF2B5EF4-FFF2-40B4-BE49-F238E27FC236}">
+                <a16:creationId xmlns:a16="http://schemas.microsoft.com/office/drawing/2014/main" id="{E24400A2-67B5-4296-8802-D2D8573246D1}"/>
+              </a:ext>
+            </a:extLst>
+          </p:cNvPr>
+          <p:cNvPicPr>
+            <a:picLocks noChangeAspect="1"/>
+          </p:cNvPicPr>
+          <p:nvPr/>
+        </p:nvPicPr>
+        <p:blipFill rotWithShape="1">
+          <a:blip r:embed="rId3">
+            <a:extLst>
+              <a:ext uri="{28A0092B-C50C-407E-A947-70E740481C1C}">
+                <a14:useLocalDpi xmlns:a14="http://schemas.microsoft.com/office/drawing/2010/main" val="0"/>
+              </a:ext>
+            </a:extLst>
+          </a:blip>
+          <a:srcRect l="4448" t="4661" r="4357" b="3804"/>
+          <a:stretch/>
+        </p:blipFill>
+        <p:spPr>
+          <a:xfrm>
+            <a:off x="1100445" y="1088740"/>
+            <a:ext cx="5535606" cy="4725525"/>
+          </a:xfrm>
+          <a:prstGeom prst="rect">
+            <a:avLst/>
+          </a:prstGeom>
+        </p:spPr>
+      </p:pic>
+      <p:pic>
+        <p:nvPicPr>
+          <p:cNvPr id="23" name="Picture 22">
+            <a:extLst>
+              <a:ext uri="{FF2B5EF4-FFF2-40B4-BE49-F238E27FC236}">
+                <a16:creationId xmlns:a16="http://schemas.microsoft.com/office/drawing/2014/main" id="{C200ECA4-81A7-4DEC-A5B3-C008A75EE357}"/>
+              </a:ext>
+            </a:extLst>
+          </p:cNvPr>
+          <p:cNvPicPr>
+            <a:picLocks noChangeAspect="1"/>
+          </p:cNvPicPr>
+          <p:nvPr/>
+        </p:nvPicPr>
+        <p:blipFill rotWithShape="1">
+          <a:blip r:embed="rId4">
+            <a:extLst>
+              <a:ext uri="{28A0092B-C50C-407E-A947-70E740481C1C}">
+                <a14:useLocalDpi xmlns:a14="http://schemas.microsoft.com/office/drawing/2010/main" val="0"/>
+              </a:ext>
+            </a:extLst>
+          </a:blip>
+          <a:srcRect l="3540" t="6295" r="3261" b="4736"/>
+          <a:stretch/>
+        </p:blipFill>
+        <p:spPr>
+          <a:xfrm>
+            <a:off x="6996100" y="1178750"/>
+            <a:ext cx="4365485" cy="4531502"/>
+          </a:xfrm>
+          <a:prstGeom prst="rect">
+            <a:avLst/>
+          </a:prstGeom>
+        </p:spPr>
+      </p:pic>
     </p:spTree>
     <p:extLst>
       <p:ext uri="{BB962C8B-B14F-4D97-AF65-F5344CB8AC3E}">
-        <p14:creationId xmlns:p14="http://schemas.microsoft.com/office/powerpoint/2010/main" val="950008428"/>
+        <p14:creationId xmlns:p14="http://schemas.microsoft.com/office/powerpoint/2010/main" val="3953450524"/>
       </p:ext>
     </p:extLst>
   </p:cSld>
